--- a/trunk/TerceraEntrega20-3-13/ModeloCasosDeUso/is.pptx
+++ b/trunk/TerceraEntrega20-3-13/ModeloCasosDeUso/is.pptx
@@ -3386,84 +3386,63 @@
           </a:fontRef>
         </p:style>
       </p:cxnSp>
-      <p:grpSp>
-        <p:nvGrpSpPr>
-          <p:cNvPr id="14" name="13 Grupo"/>
-          <p:cNvGrpSpPr/>
-          <p:nvPr/>
-        </p:nvGrpSpPr>
-        <p:grpSpPr>
-          <a:xfrm>
-            <a:off x="3745723" y="2673476"/>
-            <a:ext cx="1538037" cy="1844936"/>
-            <a:chOff x="3745723" y="2673476"/>
-            <a:chExt cx="1538037" cy="1844936"/>
-          </a:xfrm>
-        </p:grpSpPr>
-        <p:pic>
-          <p:nvPicPr>
-            <p:cNvPr id="8" name="Picture 3"/>
-            <p:cNvPicPr>
-              <a:picLocks noChangeAspect="1" noChangeArrowheads="1"/>
-            </p:cNvPicPr>
-            <p:nvPr/>
-          </p:nvPicPr>
-          <p:blipFill>
-            <a:blip r:embed="rId2" cstate="print"/>
-            <a:srcRect/>
-            <a:stretch>
-              <a:fillRect/>
-            </a:stretch>
-          </p:blipFill>
-          <p:spPr bwMode="auto">
-            <a:xfrm rot="950581">
-              <a:off x="3745723" y="2673476"/>
-              <a:ext cx="1538037" cy="1546123"/>
-            </a:xfrm>
-            <a:prstGeom prst="rect">
-              <a:avLst/>
-            </a:prstGeom>
-            <a:noFill/>
-            <a:ln w="9525">
-              <a:noFill/>
-              <a:miter lim="800000"/>
-              <a:headEnd/>
-              <a:tailEnd/>
-            </a:ln>
-          </p:spPr>
-        </p:pic>
-        <p:sp>
-          <p:nvSpPr>
-            <p:cNvPr id="13" name="12 CuadroTexto"/>
-            <p:cNvSpPr txBox="1"/>
-            <p:nvPr/>
-          </p:nvSpPr>
-          <p:spPr>
-            <a:xfrm>
-              <a:off x="3923928" y="4149080"/>
-              <a:ext cx="1296144" cy="369332"/>
-            </a:xfrm>
-            <a:prstGeom prst="rect">
-              <a:avLst/>
-            </a:prstGeom>
-            <a:noFill/>
-          </p:spPr>
-          <p:txBody>
-            <a:bodyPr wrap="square" rtlCol="0">
-              <a:spAutoFit/>
-            </a:bodyPr>
-            <a:lstStyle/>
-            <a:p>
-              <a:pPr algn="ctr"/>
-              <a:r>
-                <a:rPr lang="es-ES" dirty="0" smtClean="0"/>
-                <a:t>Todos</a:t>
-              </a:r>
-              <a:endParaRPr lang="es-ES" dirty="0"/>
-            </a:p>
-          </p:txBody>
-        </p:sp>
-      </p:grpSp>
+      <p:sp>
+        <p:nvSpPr>
+          <p:cNvPr id="13" name="12 CuadroTexto"/>
+          <p:cNvSpPr txBox="1"/>
+          <p:nvPr/>
+        </p:nvSpPr>
+        <p:spPr>
+          <a:xfrm>
+            <a:off x="3851920" y="4149080"/>
+            <a:ext cx="1296144" cy="369332"/>
+          </a:xfrm>
+          <a:prstGeom prst="rect">
+            <a:avLst/>
+          </a:prstGeom>
+          <a:noFill/>
+        </p:spPr>
+        <p:txBody>
+          <a:bodyPr wrap="square" rtlCol="0">
+            <a:spAutoFit/>
+          </a:bodyPr>
+          <a:lstStyle/>
+          <a:p>
+            <a:pPr algn="ctr"/>
+            <a:r>
+              <a:rPr lang="es-ES" dirty="0" smtClean="0"/>
+              <a:t>Todos</a:t>
+            </a:r>
+            <a:endParaRPr lang="es-ES" dirty="0"/>
+          </a:p>
+        </p:txBody>
+      </p:sp>
+      <p:pic>
+        <p:nvPicPr>
+          <p:cNvPr id="15" name="Picture 2" descr="C:\hlocal\is\TerceraEntrega20-3-13\ModeloCasosDeUso\monigote.png"/>
+          <p:cNvPicPr>
+            <a:picLocks noChangeAspect="1" noChangeArrowheads="1"/>
+          </p:cNvPicPr>
+          <p:nvPr/>
+        </p:nvPicPr>
+        <p:blipFill>
+          <a:blip r:embed="rId2" cstate="print"/>
+          <a:srcRect/>
+          <a:stretch>
+            <a:fillRect/>
+          </a:stretch>
+        </p:blipFill>
+        <p:spPr bwMode="auto">
+          <a:xfrm>
+            <a:off x="3923928" y="2503122"/>
+            <a:ext cx="1152128" cy="1717966"/>
+          </a:xfrm>
+          <a:prstGeom prst="rect">
+            <a:avLst/>
+          </a:prstGeom>
+          <a:noFill/>
+        </p:spPr>
+      </p:pic>
     </p:spTree>
   </p:cSld>
   <p:clrMapOvr>
@@ -3709,9 +3688,220 @@
           </a:p>
         </p:txBody>
       </p:sp>
+      <p:cxnSp>
+        <p:nvCxnSpPr>
+          <p:cNvPr id="10" name="9 Conector recto de flecha"/>
+          <p:cNvCxnSpPr/>
+          <p:nvPr/>
+        </p:nvCxnSpPr>
+        <p:spPr>
+          <a:xfrm flipH="1" flipV="1">
+            <a:off x="3131840" y="1988840"/>
+            <a:ext cx="720080" cy="432048"/>
+          </a:xfrm>
+          <a:prstGeom prst="straightConnector1">
+            <a:avLst/>
+          </a:prstGeom>
+          <a:ln>
+            <a:solidFill>
+              <a:schemeClr val="tx1"/>
+            </a:solidFill>
+            <a:tailEnd type="arrow"/>
+          </a:ln>
+        </p:spPr>
+        <p:style>
+          <a:lnRef idx="1">
+            <a:schemeClr val="accent1"/>
+          </a:lnRef>
+          <a:fillRef idx="0">
+            <a:schemeClr val="accent1"/>
+          </a:fillRef>
+          <a:effectRef idx="0">
+            <a:schemeClr val="accent1"/>
+          </a:effectRef>
+          <a:fontRef idx="minor">
+            <a:schemeClr val="tx1"/>
+          </a:fontRef>
+        </p:style>
+      </p:cxnSp>
+      <p:cxnSp>
+        <p:nvCxnSpPr>
+          <p:cNvPr id="11" name="10 Conector recto de flecha"/>
+          <p:cNvCxnSpPr/>
+          <p:nvPr/>
+        </p:nvCxnSpPr>
+        <p:spPr>
+          <a:xfrm flipV="1">
+            <a:off x="5004048" y="1988840"/>
+            <a:ext cx="720080" cy="360040"/>
+          </a:xfrm>
+          <a:prstGeom prst="straightConnector1">
+            <a:avLst/>
+          </a:prstGeom>
+          <a:ln>
+            <a:solidFill>
+              <a:schemeClr val="tx1"/>
+            </a:solidFill>
+            <a:tailEnd type="arrow"/>
+          </a:ln>
+        </p:spPr>
+        <p:style>
+          <a:lnRef idx="1">
+            <a:schemeClr val="accent1"/>
+          </a:lnRef>
+          <a:fillRef idx="0">
+            <a:schemeClr val="accent1"/>
+          </a:fillRef>
+          <a:effectRef idx="0">
+            <a:schemeClr val="accent1"/>
+          </a:effectRef>
+          <a:fontRef idx="minor">
+            <a:schemeClr val="tx1"/>
+          </a:fontRef>
+        </p:style>
+      </p:cxnSp>
+      <p:cxnSp>
+        <p:nvCxnSpPr>
+          <p:cNvPr id="12" name="11 Conector recto de flecha"/>
+          <p:cNvCxnSpPr/>
+          <p:nvPr/>
+        </p:nvCxnSpPr>
+        <p:spPr>
+          <a:xfrm>
+            <a:off x="5076056" y="2996952"/>
+            <a:ext cx="576064" cy="216024"/>
+          </a:xfrm>
+          <a:prstGeom prst="straightConnector1">
+            <a:avLst/>
+          </a:prstGeom>
+          <a:ln>
+            <a:solidFill>
+              <a:schemeClr val="tx1"/>
+            </a:solidFill>
+            <a:tailEnd type="arrow"/>
+          </a:ln>
+        </p:spPr>
+        <p:style>
+          <a:lnRef idx="1">
+            <a:schemeClr val="accent1"/>
+          </a:lnRef>
+          <a:fillRef idx="0">
+            <a:schemeClr val="accent1"/>
+          </a:fillRef>
+          <a:effectRef idx="0">
+            <a:schemeClr val="accent1"/>
+          </a:effectRef>
+          <a:fontRef idx="minor">
+            <a:schemeClr val="tx1"/>
+          </a:fontRef>
+        </p:style>
+      </p:cxnSp>
+      <p:cxnSp>
+        <p:nvCxnSpPr>
+          <p:cNvPr id="13" name="12 Conector recto de flecha"/>
+          <p:cNvCxnSpPr/>
+          <p:nvPr/>
+        </p:nvCxnSpPr>
+        <p:spPr>
+          <a:xfrm flipH="1">
+            <a:off x="3275856" y="3140968"/>
+            <a:ext cx="792088" cy="360040"/>
+          </a:xfrm>
+          <a:prstGeom prst="straightConnector1">
+            <a:avLst/>
+          </a:prstGeom>
+          <a:ln>
+            <a:solidFill>
+              <a:schemeClr val="tx1"/>
+            </a:solidFill>
+            <a:tailEnd type="arrow"/>
+          </a:ln>
+        </p:spPr>
+        <p:style>
+          <a:lnRef idx="1">
+            <a:schemeClr val="accent1"/>
+          </a:lnRef>
+          <a:fillRef idx="0">
+            <a:schemeClr val="accent1"/>
+          </a:fillRef>
+          <a:effectRef idx="0">
+            <a:schemeClr val="accent1"/>
+          </a:effectRef>
+          <a:fontRef idx="minor">
+            <a:schemeClr val="tx1"/>
+          </a:fontRef>
+        </p:style>
+      </p:cxnSp>
+      <p:cxnSp>
+        <p:nvCxnSpPr>
+          <p:cNvPr id="22" name="21 Conector recto de flecha"/>
+          <p:cNvCxnSpPr/>
+          <p:nvPr/>
+        </p:nvCxnSpPr>
+        <p:spPr>
+          <a:xfrm>
+            <a:off x="4788024" y="4149080"/>
+            <a:ext cx="216024" cy="720080"/>
+          </a:xfrm>
+          <a:prstGeom prst="straightConnector1">
+            <a:avLst/>
+          </a:prstGeom>
+          <a:ln>
+            <a:solidFill>
+              <a:schemeClr val="tx1"/>
+            </a:solidFill>
+            <a:tailEnd type="arrow"/>
+          </a:ln>
+        </p:spPr>
+        <p:style>
+          <a:lnRef idx="1">
+            <a:schemeClr val="accent1"/>
+          </a:lnRef>
+          <a:fillRef idx="0">
+            <a:schemeClr val="accent1"/>
+          </a:fillRef>
+          <a:effectRef idx="0">
+            <a:schemeClr val="accent1"/>
+          </a:effectRef>
+          <a:fontRef idx="minor">
+            <a:schemeClr val="tx1"/>
+          </a:fontRef>
+        </p:style>
+      </p:cxnSp>
+      <p:sp>
+        <p:nvSpPr>
+          <p:cNvPr id="25" name="24 CuadroTexto"/>
+          <p:cNvSpPr txBox="1"/>
+          <p:nvPr/>
+        </p:nvSpPr>
+        <p:spPr>
+          <a:xfrm>
+            <a:off x="3860240" y="3779748"/>
+            <a:ext cx="1296144" cy="369332"/>
+          </a:xfrm>
+          <a:prstGeom prst="rect">
+            <a:avLst/>
+          </a:prstGeom>
+          <a:noFill/>
+        </p:spPr>
+        <p:txBody>
+          <a:bodyPr wrap="square" rtlCol="0">
+            <a:spAutoFit/>
+          </a:bodyPr>
+          <a:lstStyle/>
+          <a:p>
+            <a:pPr algn="ctr"/>
+            <a:r>
+              <a:rPr lang="es-ES" dirty="0" smtClean="0"/>
+              <a:t>Jefe</a:t>
+            </a:r>
+            <a:endParaRPr lang="es-ES" dirty="0"/>
+          </a:p>
+        </p:txBody>
+      </p:sp>
       <p:pic>
         <p:nvPicPr>
-          <p:cNvPr id="9" name="Picture 3"/>
+          <p:cNvPr id="16" name="Picture 2" descr="C:\hlocal\is\TerceraEntrega20-3-13\ModeloCasosDeUso\monigote.png"/>
           <p:cNvPicPr>
             <a:picLocks noChangeAspect="1" noChangeArrowheads="1"/>
           </p:cNvPicPr>
@@ -3725,280 +3915,16 @@
           </a:stretch>
         </p:blipFill>
         <p:spPr bwMode="auto">
-          <a:xfrm rot="950581">
-            <a:off x="3673715" y="2313436"/>
-            <a:ext cx="1538037" cy="1546123"/>
+          <a:xfrm>
+            <a:off x="3995936" y="2060848"/>
+            <a:ext cx="1152128" cy="1717966"/>
           </a:xfrm>
           <a:prstGeom prst="rect">
             <a:avLst/>
           </a:prstGeom>
           <a:noFill/>
-          <a:ln w="9525">
-            <a:noFill/>
-            <a:miter lim="800000"/>
-            <a:headEnd/>
-            <a:tailEnd/>
-          </a:ln>
         </p:spPr>
       </p:pic>
-      <p:cxnSp>
-        <p:nvCxnSpPr>
-          <p:cNvPr id="10" name="9 Conector recto de flecha"/>
-          <p:cNvCxnSpPr/>
-          <p:nvPr/>
-        </p:nvCxnSpPr>
-        <p:spPr>
-          <a:xfrm flipH="1" flipV="1">
-            <a:off x="3131840" y="1988840"/>
-            <a:ext cx="720080" cy="432048"/>
-          </a:xfrm>
-          <a:prstGeom prst="straightConnector1">
-            <a:avLst/>
-          </a:prstGeom>
-          <a:ln>
-            <a:solidFill>
-              <a:schemeClr val="tx1"/>
-            </a:solidFill>
-            <a:tailEnd type="arrow"/>
-          </a:ln>
-        </p:spPr>
-        <p:style>
-          <a:lnRef idx="1">
-            <a:schemeClr val="accent1"/>
-          </a:lnRef>
-          <a:fillRef idx="0">
-            <a:schemeClr val="accent1"/>
-          </a:fillRef>
-          <a:effectRef idx="0">
-            <a:schemeClr val="accent1"/>
-          </a:effectRef>
-          <a:fontRef idx="minor">
-            <a:schemeClr val="tx1"/>
-          </a:fontRef>
-        </p:style>
-      </p:cxnSp>
-      <p:cxnSp>
-        <p:nvCxnSpPr>
-          <p:cNvPr id="11" name="10 Conector recto de flecha"/>
-          <p:cNvCxnSpPr/>
-          <p:nvPr/>
-        </p:nvCxnSpPr>
-        <p:spPr>
-          <a:xfrm flipV="1">
-            <a:off x="5004048" y="1988840"/>
-            <a:ext cx="720080" cy="360040"/>
-          </a:xfrm>
-          <a:prstGeom prst="straightConnector1">
-            <a:avLst/>
-          </a:prstGeom>
-          <a:ln>
-            <a:solidFill>
-              <a:schemeClr val="tx1"/>
-            </a:solidFill>
-            <a:tailEnd type="arrow"/>
-          </a:ln>
-        </p:spPr>
-        <p:style>
-          <a:lnRef idx="1">
-            <a:schemeClr val="accent1"/>
-          </a:lnRef>
-          <a:fillRef idx="0">
-            <a:schemeClr val="accent1"/>
-          </a:fillRef>
-          <a:effectRef idx="0">
-            <a:schemeClr val="accent1"/>
-          </a:effectRef>
-          <a:fontRef idx="minor">
-            <a:schemeClr val="tx1"/>
-          </a:fontRef>
-        </p:style>
-      </p:cxnSp>
-      <p:cxnSp>
-        <p:nvCxnSpPr>
-          <p:cNvPr id="12" name="11 Conector recto de flecha"/>
-          <p:cNvCxnSpPr/>
-          <p:nvPr/>
-        </p:nvCxnSpPr>
-        <p:spPr>
-          <a:xfrm>
-            <a:off x="5076056" y="2996952"/>
-            <a:ext cx="576064" cy="216024"/>
-          </a:xfrm>
-          <a:prstGeom prst="straightConnector1">
-            <a:avLst/>
-          </a:prstGeom>
-          <a:ln>
-            <a:solidFill>
-              <a:schemeClr val="tx1"/>
-            </a:solidFill>
-            <a:tailEnd type="arrow"/>
-          </a:ln>
-        </p:spPr>
-        <p:style>
-          <a:lnRef idx="1">
-            <a:schemeClr val="accent1"/>
-          </a:lnRef>
-          <a:fillRef idx="0">
-            <a:schemeClr val="accent1"/>
-          </a:fillRef>
-          <a:effectRef idx="0">
-            <a:schemeClr val="accent1"/>
-          </a:effectRef>
-          <a:fontRef idx="minor">
-            <a:schemeClr val="tx1"/>
-          </a:fontRef>
-        </p:style>
-      </p:cxnSp>
-      <p:cxnSp>
-        <p:nvCxnSpPr>
-          <p:cNvPr id="13" name="12 Conector recto de flecha"/>
-          <p:cNvCxnSpPr/>
-          <p:nvPr/>
-        </p:nvCxnSpPr>
-        <p:spPr>
-          <a:xfrm flipH="1">
-            <a:off x="3275856" y="3140968"/>
-            <a:ext cx="792088" cy="360040"/>
-          </a:xfrm>
-          <a:prstGeom prst="straightConnector1">
-            <a:avLst/>
-          </a:prstGeom>
-          <a:ln>
-            <a:solidFill>
-              <a:schemeClr val="tx1"/>
-            </a:solidFill>
-            <a:tailEnd type="arrow"/>
-          </a:ln>
-        </p:spPr>
-        <p:style>
-          <a:lnRef idx="1">
-            <a:schemeClr val="accent1"/>
-          </a:lnRef>
-          <a:fillRef idx="0">
-            <a:schemeClr val="accent1"/>
-          </a:fillRef>
-          <a:effectRef idx="0">
-            <a:schemeClr val="accent1"/>
-          </a:effectRef>
-          <a:fontRef idx="minor">
-            <a:schemeClr val="tx1"/>
-          </a:fontRef>
-        </p:style>
-      </p:cxnSp>
-      <p:cxnSp>
-        <p:nvCxnSpPr>
-          <p:cNvPr id="22" name="21 Conector recto de flecha"/>
-          <p:cNvCxnSpPr/>
-          <p:nvPr/>
-        </p:nvCxnSpPr>
-        <p:spPr>
-          <a:xfrm>
-            <a:off x="4788024" y="4149080"/>
-            <a:ext cx="216024" cy="720080"/>
-          </a:xfrm>
-          <a:prstGeom prst="straightConnector1">
-            <a:avLst/>
-          </a:prstGeom>
-          <a:ln>
-            <a:solidFill>
-              <a:schemeClr val="tx1"/>
-            </a:solidFill>
-            <a:tailEnd type="arrow"/>
-          </a:ln>
-        </p:spPr>
-        <p:style>
-          <a:lnRef idx="1">
-            <a:schemeClr val="accent1"/>
-          </a:lnRef>
-          <a:fillRef idx="0">
-            <a:schemeClr val="accent1"/>
-          </a:fillRef>
-          <a:effectRef idx="0">
-            <a:schemeClr val="accent1"/>
-          </a:effectRef>
-          <a:fontRef idx="minor">
-            <a:schemeClr val="tx1"/>
-          </a:fontRef>
-        </p:style>
-      </p:cxnSp>
-      <p:grpSp>
-        <p:nvGrpSpPr>
-          <p:cNvPr id="23" name="22 Grupo"/>
-          <p:cNvGrpSpPr/>
-          <p:nvPr/>
-        </p:nvGrpSpPr>
-        <p:grpSpPr>
-          <a:xfrm>
-            <a:off x="3682035" y="2304144"/>
-            <a:ext cx="1538037" cy="1844936"/>
-            <a:chOff x="3745723" y="2673476"/>
-            <a:chExt cx="1538037" cy="1844936"/>
-          </a:xfrm>
-        </p:grpSpPr>
-        <p:pic>
-          <p:nvPicPr>
-            <p:cNvPr id="24" name="Picture 3"/>
-            <p:cNvPicPr>
-              <a:picLocks noChangeAspect="1" noChangeArrowheads="1"/>
-            </p:cNvPicPr>
-            <p:nvPr/>
-          </p:nvPicPr>
-          <p:blipFill>
-            <a:blip r:embed="rId2" cstate="print"/>
-            <a:srcRect/>
-            <a:stretch>
-              <a:fillRect/>
-            </a:stretch>
-          </p:blipFill>
-          <p:spPr bwMode="auto">
-            <a:xfrm rot="950581">
-              <a:off x="3745723" y="2673476"/>
-              <a:ext cx="1538037" cy="1546123"/>
-            </a:xfrm>
-            <a:prstGeom prst="rect">
-              <a:avLst/>
-            </a:prstGeom>
-            <a:noFill/>
-            <a:ln w="9525">
-              <a:noFill/>
-              <a:miter lim="800000"/>
-              <a:headEnd/>
-              <a:tailEnd/>
-            </a:ln>
-          </p:spPr>
-        </p:pic>
-        <p:sp>
-          <p:nvSpPr>
-            <p:cNvPr id="25" name="24 CuadroTexto"/>
-            <p:cNvSpPr txBox="1"/>
-            <p:nvPr/>
-          </p:nvSpPr>
-          <p:spPr>
-            <a:xfrm>
-              <a:off x="3923928" y="4149080"/>
-              <a:ext cx="1296144" cy="369332"/>
-            </a:xfrm>
-            <a:prstGeom prst="rect">
-              <a:avLst/>
-            </a:prstGeom>
-            <a:noFill/>
-          </p:spPr>
-          <p:txBody>
-            <a:bodyPr wrap="square" rtlCol="0">
-              <a:spAutoFit/>
-            </a:bodyPr>
-            <a:lstStyle/>
-            <a:p>
-              <a:pPr algn="ctr"/>
-              <a:r>
-                <a:rPr lang="es-ES" dirty="0" smtClean="0"/>
-                <a:t>Jefe</a:t>
-              </a:r>
-              <a:endParaRPr lang="es-ES" dirty="0"/>
-            </a:p>
-          </p:txBody>
-        </p:sp>
-      </p:grpSp>
     </p:spTree>
   </p:cSld>
   <p:clrMapOvr>
@@ -4200,9 +4126,184 @@
           </a:p>
         </p:txBody>
       </p:sp>
+      <p:cxnSp>
+        <p:nvCxnSpPr>
+          <p:cNvPr id="9" name="8 Conector recto de flecha"/>
+          <p:cNvCxnSpPr/>
+          <p:nvPr/>
+        </p:nvCxnSpPr>
+        <p:spPr>
+          <a:xfrm flipH="1" flipV="1">
+            <a:off x="3275856" y="2348880"/>
+            <a:ext cx="720080" cy="432048"/>
+          </a:xfrm>
+          <a:prstGeom prst="straightConnector1">
+            <a:avLst/>
+          </a:prstGeom>
+          <a:ln>
+            <a:solidFill>
+              <a:schemeClr val="tx1"/>
+            </a:solidFill>
+            <a:tailEnd type="arrow"/>
+          </a:ln>
+        </p:spPr>
+        <p:style>
+          <a:lnRef idx="1">
+            <a:schemeClr val="accent1"/>
+          </a:lnRef>
+          <a:fillRef idx="0">
+            <a:schemeClr val="accent1"/>
+          </a:fillRef>
+          <a:effectRef idx="0">
+            <a:schemeClr val="accent1"/>
+          </a:effectRef>
+          <a:fontRef idx="minor">
+            <a:schemeClr val="tx1"/>
+          </a:fontRef>
+        </p:style>
+      </p:cxnSp>
+      <p:cxnSp>
+        <p:nvCxnSpPr>
+          <p:cNvPr id="10" name="9 Conector recto de flecha"/>
+          <p:cNvCxnSpPr/>
+          <p:nvPr/>
+        </p:nvCxnSpPr>
+        <p:spPr>
+          <a:xfrm flipV="1">
+            <a:off x="5148064" y="2348880"/>
+            <a:ext cx="720080" cy="360040"/>
+          </a:xfrm>
+          <a:prstGeom prst="straightConnector1">
+            <a:avLst/>
+          </a:prstGeom>
+          <a:ln>
+            <a:solidFill>
+              <a:schemeClr val="tx1"/>
+            </a:solidFill>
+            <a:tailEnd type="arrow"/>
+          </a:ln>
+        </p:spPr>
+        <p:style>
+          <a:lnRef idx="1">
+            <a:schemeClr val="accent1"/>
+          </a:lnRef>
+          <a:fillRef idx="0">
+            <a:schemeClr val="accent1"/>
+          </a:fillRef>
+          <a:effectRef idx="0">
+            <a:schemeClr val="accent1"/>
+          </a:effectRef>
+          <a:fontRef idx="minor">
+            <a:schemeClr val="tx1"/>
+          </a:fontRef>
+        </p:style>
+      </p:cxnSp>
+      <p:cxnSp>
+        <p:nvCxnSpPr>
+          <p:cNvPr id="11" name="10 Conector recto de flecha"/>
+          <p:cNvCxnSpPr/>
+          <p:nvPr/>
+        </p:nvCxnSpPr>
+        <p:spPr>
+          <a:xfrm>
+            <a:off x="5148064" y="3645024"/>
+            <a:ext cx="720080" cy="792088"/>
+          </a:xfrm>
+          <a:prstGeom prst="straightConnector1">
+            <a:avLst/>
+          </a:prstGeom>
+          <a:ln>
+            <a:solidFill>
+              <a:schemeClr val="tx1"/>
+            </a:solidFill>
+            <a:tailEnd type="arrow"/>
+          </a:ln>
+        </p:spPr>
+        <p:style>
+          <a:lnRef idx="1">
+            <a:schemeClr val="accent1"/>
+          </a:lnRef>
+          <a:fillRef idx="0">
+            <a:schemeClr val="accent1"/>
+          </a:fillRef>
+          <a:effectRef idx="0">
+            <a:schemeClr val="accent1"/>
+          </a:effectRef>
+          <a:fontRef idx="minor">
+            <a:schemeClr val="tx1"/>
+          </a:fontRef>
+        </p:style>
+      </p:cxnSp>
+      <p:cxnSp>
+        <p:nvCxnSpPr>
+          <p:cNvPr id="12" name="11 Conector recto de flecha"/>
+          <p:cNvCxnSpPr/>
+          <p:nvPr/>
+        </p:nvCxnSpPr>
+        <p:spPr>
+          <a:xfrm flipH="1">
+            <a:off x="3131840" y="3573016"/>
+            <a:ext cx="864096" cy="720080"/>
+          </a:xfrm>
+          <a:prstGeom prst="straightConnector1">
+            <a:avLst/>
+          </a:prstGeom>
+          <a:ln>
+            <a:solidFill>
+              <a:schemeClr val="tx1"/>
+            </a:solidFill>
+            <a:tailEnd type="arrow"/>
+          </a:ln>
+        </p:spPr>
+        <p:style>
+          <a:lnRef idx="1">
+            <a:schemeClr val="accent1"/>
+          </a:lnRef>
+          <a:fillRef idx="0">
+            <a:schemeClr val="accent1"/>
+          </a:fillRef>
+          <a:effectRef idx="0">
+            <a:schemeClr val="accent1"/>
+          </a:effectRef>
+          <a:fontRef idx="minor">
+            <a:schemeClr val="tx1"/>
+          </a:fontRef>
+        </p:style>
+      </p:cxnSp>
+      <p:sp>
+        <p:nvSpPr>
+          <p:cNvPr id="19" name="18 CuadroTexto"/>
+          <p:cNvSpPr txBox="1"/>
+          <p:nvPr/>
+        </p:nvSpPr>
+        <p:spPr>
+          <a:xfrm>
+            <a:off x="4004256" y="4149080"/>
+            <a:ext cx="1296144" cy="369332"/>
+          </a:xfrm>
+          <a:prstGeom prst="rect">
+            <a:avLst/>
+          </a:prstGeom>
+          <a:noFill/>
+        </p:spPr>
+        <p:txBody>
+          <a:bodyPr wrap="square" rtlCol="0">
+            <a:spAutoFit/>
+          </a:bodyPr>
+          <a:lstStyle/>
+          <a:p>
+            <a:pPr algn="ctr"/>
+            <a:r>
+              <a:rPr lang="es-ES" dirty="0" smtClean="0"/>
+              <a:t>Limpieza</a:t>
+            </a:r>
+            <a:endParaRPr lang="es-ES" dirty="0"/>
+          </a:p>
+        </p:txBody>
+      </p:sp>
       <p:pic>
         <p:nvPicPr>
-          <p:cNvPr id="8" name="Picture 3"/>
+          <p:cNvPr id="14" name="Picture 2" descr="C:\hlocal\is\TerceraEntrega20-3-13\ModeloCasosDeUso\monigote.png"/>
           <p:cNvPicPr>
             <a:picLocks noChangeAspect="1" noChangeArrowheads="1"/>
           </p:cNvPicPr>
@@ -4216,244 +4317,16 @@
           </a:stretch>
         </p:blipFill>
         <p:spPr bwMode="auto">
-          <a:xfrm rot="950581">
-            <a:off x="3817731" y="2673476"/>
-            <a:ext cx="1538037" cy="1546123"/>
+          <a:xfrm>
+            <a:off x="4067944" y="2494175"/>
+            <a:ext cx="1152128" cy="1717966"/>
           </a:xfrm>
           <a:prstGeom prst="rect">
             <a:avLst/>
           </a:prstGeom>
           <a:noFill/>
-          <a:ln w="9525">
-            <a:noFill/>
-            <a:miter lim="800000"/>
-            <a:headEnd/>
-            <a:tailEnd/>
-          </a:ln>
         </p:spPr>
       </p:pic>
-      <p:cxnSp>
-        <p:nvCxnSpPr>
-          <p:cNvPr id="9" name="8 Conector recto de flecha"/>
-          <p:cNvCxnSpPr/>
-          <p:nvPr/>
-        </p:nvCxnSpPr>
-        <p:spPr>
-          <a:xfrm flipH="1" flipV="1">
-            <a:off x="3275856" y="2348880"/>
-            <a:ext cx="720080" cy="432048"/>
-          </a:xfrm>
-          <a:prstGeom prst="straightConnector1">
-            <a:avLst/>
-          </a:prstGeom>
-          <a:ln>
-            <a:solidFill>
-              <a:schemeClr val="tx1"/>
-            </a:solidFill>
-            <a:tailEnd type="arrow"/>
-          </a:ln>
-        </p:spPr>
-        <p:style>
-          <a:lnRef idx="1">
-            <a:schemeClr val="accent1"/>
-          </a:lnRef>
-          <a:fillRef idx="0">
-            <a:schemeClr val="accent1"/>
-          </a:fillRef>
-          <a:effectRef idx="0">
-            <a:schemeClr val="accent1"/>
-          </a:effectRef>
-          <a:fontRef idx="minor">
-            <a:schemeClr val="tx1"/>
-          </a:fontRef>
-        </p:style>
-      </p:cxnSp>
-      <p:cxnSp>
-        <p:nvCxnSpPr>
-          <p:cNvPr id="10" name="9 Conector recto de flecha"/>
-          <p:cNvCxnSpPr/>
-          <p:nvPr/>
-        </p:nvCxnSpPr>
-        <p:spPr>
-          <a:xfrm flipV="1">
-            <a:off x="5148064" y="2348880"/>
-            <a:ext cx="720080" cy="360040"/>
-          </a:xfrm>
-          <a:prstGeom prst="straightConnector1">
-            <a:avLst/>
-          </a:prstGeom>
-          <a:ln>
-            <a:solidFill>
-              <a:schemeClr val="tx1"/>
-            </a:solidFill>
-            <a:tailEnd type="arrow"/>
-          </a:ln>
-        </p:spPr>
-        <p:style>
-          <a:lnRef idx="1">
-            <a:schemeClr val="accent1"/>
-          </a:lnRef>
-          <a:fillRef idx="0">
-            <a:schemeClr val="accent1"/>
-          </a:fillRef>
-          <a:effectRef idx="0">
-            <a:schemeClr val="accent1"/>
-          </a:effectRef>
-          <a:fontRef idx="minor">
-            <a:schemeClr val="tx1"/>
-          </a:fontRef>
-        </p:style>
-      </p:cxnSp>
-      <p:cxnSp>
-        <p:nvCxnSpPr>
-          <p:cNvPr id="11" name="10 Conector recto de flecha"/>
-          <p:cNvCxnSpPr/>
-          <p:nvPr/>
-        </p:nvCxnSpPr>
-        <p:spPr>
-          <a:xfrm>
-            <a:off x="5148064" y="3645024"/>
-            <a:ext cx="720080" cy="792088"/>
-          </a:xfrm>
-          <a:prstGeom prst="straightConnector1">
-            <a:avLst/>
-          </a:prstGeom>
-          <a:ln>
-            <a:solidFill>
-              <a:schemeClr val="tx1"/>
-            </a:solidFill>
-            <a:tailEnd type="arrow"/>
-          </a:ln>
-        </p:spPr>
-        <p:style>
-          <a:lnRef idx="1">
-            <a:schemeClr val="accent1"/>
-          </a:lnRef>
-          <a:fillRef idx="0">
-            <a:schemeClr val="accent1"/>
-          </a:fillRef>
-          <a:effectRef idx="0">
-            <a:schemeClr val="accent1"/>
-          </a:effectRef>
-          <a:fontRef idx="minor">
-            <a:schemeClr val="tx1"/>
-          </a:fontRef>
-        </p:style>
-      </p:cxnSp>
-      <p:cxnSp>
-        <p:nvCxnSpPr>
-          <p:cNvPr id="12" name="11 Conector recto de flecha"/>
-          <p:cNvCxnSpPr/>
-          <p:nvPr/>
-        </p:nvCxnSpPr>
-        <p:spPr>
-          <a:xfrm flipH="1">
-            <a:off x="3131840" y="3573016"/>
-            <a:ext cx="864096" cy="720080"/>
-          </a:xfrm>
-          <a:prstGeom prst="straightConnector1">
-            <a:avLst/>
-          </a:prstGeom>
-          <a:ln>
-            <a:solidFill>
-              <a:schemeClr val="tx1"/>
-            </a:solidFill>
-            <a:tailEnd type="arrow"/>
-          </a:ln>
-        </p:spPr>
-        <p:style>
-          <a:lnRef idx="1">
-            <a:schemeClr val="accent1"/>
-          </a:lnRef>
-          <a:fillRef idx="0">
-            <a:schemeClr val="accent1"/>
-          </a:fillRef>
-          <a:effectRef idx="0">
-            <a:schemeClr val="accent1"/>
-          </a:effectRef>
-          <a:fontRef idx="minor">
-            <a:schemeClr val="tx1"/>
-          </a:fontRef>
-        </p:style>
-      </p:cxnSp>
-      <p:grpSp>
-        <p:nvGrpSpPr>
-          <p:cNvPr id="17" name="16 Grupo"/>
-          <p:cNvGrpSpPr/>
-          <p:nvPr/>
-        </p:nvGrpSpPr>
-        <p:grpSpPr>
-          <a:xfrm>
-            <a:off x="3826051" y="2673476"/>
-            <a:ext cx="1538037" cy="1844936"/>
-            <a:chOff x="3745723" y="2673476"/>
-            <a:chExt cx="1538037" cy="1844936"/>
-          </a:xfrm>
-        </p:grpSpPr>
-        <p:pic>
-          <p:nvPicPr>
-            <p:cNvPr id="18" name="Picture 3"/>
-            <p:cNvPicPr>
-              <a:picLocks noChangeAspect="1" noChangeArrowheads="1"/>
-            </p:cNvPicPr>
-            <p:nvPr/>
-          </p:nvPicPr>
-          <p:blipFill>
-            <a:blip r:embed="rId2" cstate="print"/>
-            <a:srcRect/>
-            <a:stretch>
-              <a:fillRect/>
-            </a:stretch>
-          </p:blipFill>
-          <p:spPr bwMode="auto">
-            <a:xfrm rot="950581">
-              <a:off x="3745723" y="2673476"/>
-              <a:ext cx="1538037" cy="1546123"/>
-            </a:xfrm>
-            <a:prstGeom prst="rect">
-              <a:avLst/>
-            </a:prstGeom>
-            <a:noFill/>
-            <a:ln w="9525">
-              <a:noFill/>
-              <a:miter lim="800000"/>
-              <a:headEnd/>
-              <a:tailEnd/>
-            </a:ln>
-          </p:spPr>
-        </p:pic>
-        <p:sp>
-          <p:nvSpPr>
-            <p:cNvPr id="19" name="18 CuadroTexto"/>
-            <p:cNvSpPr txBox="1"/>
-            <p:nvPr/>
-          </p:nvSpPr>
-          <p:spPr>
-            <a:xfrm>
-              <a:off x="3923928" y="4149080"/>
-              <a:ext cx="1296144" cy="369332"/>
-            </a:xfrm>
-            <a:prstGeom prst="rect">
-              <a:avLst/>
-            </a:prstGeom>
-            <a:noFill/>
-          </p:spPr>
-          <p:txBody>
-            <a:bodyPr wrap="square" rtlCol="0">
-              <a:spAutoFit/>
-            </a:bodyPr>
-            <a:lstStyle/>
-            <a:p>
-              <a:pPr algn="ctr"/>
-              <a:r>
-                <a:rPr lang="es-ES" dirty="0" smtClean="0"/>
-                <a:t>Limpieza</a:t>
-              </a:r>
-              <a:endParaRPr lang="es-ES" dirty="0"/>
-            </a:p>
-          </p:txBody>
-        </p:sp>
-      </p:grpSp>
     </p:spTree>
   </p:cSld>
   <p:clrMapOvr>
@@ -4517,11 +4390,7 @@
             <a:pPr algn="ctr"/>
             <a:r>
               <a:rPr lang="es-ES" dirty="0" smtClean="0"/>
-              <a:t>G</a:t>
-            </a:r>
-            <a:r>
-              <a:rPr lang="es-ES" dirty="0" smtClean="0"/>
-              <a:t>enerar factura del restaurante</a:t>
+              <a:t>Generar factura del restaurante</a:t>
             </a:r>
             <a:endParaRPr lang="es-ES" dirty="0"/>
           </a:p>
@@ -5073,6 +4942,32 @@
           </p:txBody>
         </p:sp>
       </p:grpSp>
+      <p:pic>
+        <p:nvPicPr>
+          <p:cNvPr id="1026" name="Picture 2" descr="C:\hlocal\is\TerceraEntrega20-3-13\ModeloCasosDeUso\monigote.png"/>
+          <p:cNvPicPr>
+            <a:picLocks noChangeAspect="1" noChangeArrowheads="1"/>
+          </p:cNvPicPr>
+          <p:nvPr/>
+        </p:nvPicPr>
+        <p:blipFill>
+          <a:blip r:embed="rId3" cstate="print"/>
+          <a:srcRect/>
+          <a:stretch>
+            <a:fillRect/>
+          </a:stretch>
+        </p:blipFill>
+        <p:spPr bwMode="auto">
+          <a:xfrm>
+            <a:off x="4067944" y="2494175"/>
+            <a:ext cx="1152128" cy="1717966"/>
+          </a:xfrm>
+          <a:prstGeom prst="rect">
+            <a:avLst/>
+          </a:prstGeom>
+          <a:noFill/>
+        </p:spPr>
+      </p:pic>
     </p:spTree>
   </p:cSld>
   <p:clrMapOvr>
@@ -5180,11 +5075,7 @@
             <a:pPr algn="ctr"/>
             <a:r>
               <a:rPr lang="es-ES" dirty="0" smtClean="0"/>
-              <a:t>R</a:t>
-            </a:r>
-            <a:r>
-              <a:rPr lang="es-ES" dirty="0" smtClean="0"/>
-              <a:t>eservar habitación</a:t>
+              <a:t>Reservar habitación</a:t>
             </a:r>
             <a:endParaRPr lang="es-ES" dirty="0"/>
           </a:p>
@@ -5366,9 +5257,256 @@
           </a:p>
         </p:txBody>
       </p:sp>
+      <p:cxnSp>
+        <p:nvCxnSpPr>
+          <p:cNvPr id="15" name="14 Conector recto de flecha"/>
+          <p:cNvCxnSpPr/>
+          <p:nvPr/>
+        </p:nvCxnSpPr>
+        <p:spPr>
+          <a:xfrm flipH="1" flipV="1">
+            <a:off x="3491880" y="2924944"/>
+            <a:ext cx="504056" cy="216024"/>
+          </a:xfrm>
+          <a:prstGeom prst="straightConnector1">
+            <a:avLst/>
+          </a:prstGeom>
+          <a:ln>
+            <a:solidFill>
+              <a:schemeClr val="tx1"/>
+            </a:solidFill>
+            <a:tailEnd type="arrow"/>
+          </a:ln>
+        </p:spPr>
+        <p:style>
+          <a:lnRef idx="1">
+            <a:schemeClr val="accent1"/>
+          </a:lnRef>
+          <a:fillRef idx="0">
+            <a:schemeClr val="accent1"/>
+          </a:fillRef>
+          <a:effectRef idx="0">
+            <a:schemeClr val="accent1"/>
+          </a:effectRef>
+          <a:fontRef idx="minor">
+            <a:schemeClr val="tx1"/>
+          </a:fontRef>
+        </p:style>
+      </p:cxnSp>
+      <p:cxnSp>
+        <p:nvCxnSpPr>
+          <p:cNvPr id="16" name="15 Conector recto de flecha"/>
+          <p:cNvCxnSpPr/>
+          <p:nvPr/>
+        </p:nvCxnSpPr>
+        <p:spPr>
+          <a:xfrm flipV="1">
+            <a:off x="5148064" y="2132856"/>
+            <a:ext cx="720080" cy="576064"/>
+          </a:xfrm>
+          <a:prstGeom prst="straightConnector1">
+            <a:avLst/>
+          </a:prstGeom>
+          <a:ln>
+            <a:solidFill>
+              <a:schemeClr val="tx1"/>
+            </a:solidFill>
+            <a:tailEnd type="arrow"/>
+          </a:ln>
+        </p:spPr>
+        <p:style>
+          <a:lnRef idx="1">
+            <a:schemeClr val="accent1"/>
+          </a:lnRef>
+          <a:fillRef idx="0">
+            <a:schemeClr val="accent1"/>
+          </a:fillRef>
+          <a:effectRef idx="0">
+            <a:schemeClr val="accent1"/>
+          </a:effectRef>
+          <a:fontRef idx="minor">
+            <a:schemeClr val="tx1"/>
+          </a:fontRef>
+        </p:style>
+      </p:cxnSp>
+      <p:cxnSp>
+        <p:nvCxnSpPr>
+          <p:cNvPr id="17" name="16 Conector recto de flecha"/>
+          <p:cNvCxnSpPr/>
+          <p:nvPr/>
+        </p:nvCxnSpPr>
+        <p:spPr>
+          <a:xfrm>
+            <a:off x="5004048" y="4509120"/>
+            <a:ext cx="144016" cy="360040"/>
+          </a:xfrm>
+          <a:prstGeom prst="straightConnector1">
+            <a:avLst/>
+          </a:prstGeom>
+          <a:ln>
+            <a:solidFill>
+              <a:schemeClr val="tx1"/>
+            </a:solidFill>
+            <a:tailEnd type="arrow"/>
+          </a:ln>
+        </p:spPr>
+        <p:style>
+          <a:lnRef idx="1">
+            <a:schemeClr val="accent1"/>
+          </a:lnRef>
+          <a:fillRef idx="0">
+            <a:schemeClr val="accent1"/>
+          </a:fillRef>
+          <a:effectRef idx="0">
+            <a:schemeClr val="accent1"/>
+          </a:effectRef>
+          <a:fontRef idx="minor">
+            <a:schemeClr val="tx1"/>
+          </a:fontRef>
+        </p:style>
+      </p:cxnSp>
+      <p:cxnSp>
+        <p:nvCxnSpPr>
+          <p:cNvPr id="18" name="17 Conector recto de flecha"/>
+          <p:cNvCxnSpPr/>
+          <p:nvPr/>
+        </p:nvCxnSpPr>
+        <p:spPr>
+          <a:xfrm flipH="1">
+            <a:off x="3419872" y="3573016"/>
+            <a:ext cx="576064" cy="360040"/>
+          </a:xfrm>
+          <a:prstGeom prst="straightConnector1">
+            <a:avLst/>
+          </a:prstGeom>
+          <a:ln>
+            <a:solidFill>
+              <a:schemeClr val="tx1"/>
+            </a:solidFill>
+            <a:tailEnd type="arrow"/>
+          </a:ln>
+        </p:spPr>
+        <p:style>
+          <a:lnRef idx="1">
+            <a:schemeClr val="accent1"/>
+          </a:lnRef>
+          <a:fillRef idx="0">
+            <a:schemeClr val="accent1"/>
+          </a:fillRef>
+          <a:effectRef idx="0">
+            <a:schemeClr val="accent1"/>
+          </a:effectRef>
+          <a:fontRef idx="minor">
+            <a:schemeClr val="tx1"/>
+          </a:fontRef>
+        </p:style>
+      </p:cxnSp>
+      <p:cxnSp>
+        <p:nvCxnSpPr>
+          <p:cNvPr id="37" name="36 Conector recto de flecha"/>
+          <p:cNvCxnSpPr/>
+          <p:nvPr/>
+        </p:nvCxnSpPr>
+        <p:spPr>
+          <a:xfrm flipH="1" flipV="1">
+            <a:off x="4427984" y="1556792"/>
+            <a:ext cx="144016" cy="792088"/>
+          </a:xfrm>
+          <a:prstGeom prst="straightConnector1">
+            <a:avLst/>
+          </a:prstGeom>
+          <a:ln>
+            <a:solidFill>
+              <a:schemeClr val="tx1"/>
+            </a:solidFill>
+            <a:tailEnd type="arrow"/>
+          </a:ln>
+        </p:spPr>
+        <p:style>
+          <a:lnRef idx="1">
+            <a:schemeClr val="accent1"/>
+          </a:lnRef>
+          <a:fillRef idx="0">
+            <a:schemeClr val="accent1"/>
+          </a:fillRef>
+          <a:effectRef idx="0">
+            <a:schemeClr val="accent1"/>
+          </a:effectRef>
+          <a:fontRef idx="minor">
+            <a:schemeClr val="tx1"/>
+          </a:fontRef>
+        </p:style>
+      </p:cxnSp>
+      <p:cxnSp>
+        <p:nvCxnSpPr>
+          <p:cNvPr id="39" name="38 Conector recto de flecha"/>
+          <p:cNvCxnSpPr/>
+          <p:nvPr/>
+        </p:nvCxnSpPr>
+        <p:spPr>
+          <a:xfrm>
+            <a:off x="5076056" y="3284984"/>
+            <a:ext cx="504056" cy="72008"/>
+          </a:xfrm>
+          <a:prstGeom prst="straightConnector1">
+            <a:avLst/>
+          </a:prstGeom>
+          <a:ln>
+            <a:solidFill>
+              <a:schemeClr val="tx1"/>
+            </a:solidFill>
+            <a:tailEnd type="arrow"/>
+          </a:ln>
+        </p:spPr>
+        <p:style>
+          <a:lnRef idx="1">
+            <a:schemeClr val="accent1"/>
+          </a:lnRef>
+          <a:fillRef idx="0">
+            <a:schemeClr val="accent1"/>
+          </a:fillRef>
+          <a:effectRef idx="0">
+            <a:schemeClr val="accent1"/>
+          </a:effectRef>
+          <a:fontRef idx="minor">
+            <a:schemeClr val="tx1"/>
+          </a:fontRef>
+        </p:style>
+      </p:cxnSp>
+      <p:sp>
+        <p:nvSpPr>
+          <p:cNvPr id="47" name="46 CuadroTexto"/>
+          <p:cNvSpPr txBox="1"/>
+          <p:nvPr/>
+        </p:nvSpPr>
+        <p:spPr>
+          <a:xfrm>
+            <a:off x="3851920" y="4149080"/>
+            <a:ext cx="1584176" cy="369332"/>
+          </a:xfrm>
+          <a:prstGeom prst="rect">
+            <a:avLst/>
+          </a:prstGeom>
+          <a:noFill/>
+        </p:spPr>
+        <p:txBody>
+          <a:bodyPr wrap="square" rtlCol="0">
+            <a:spAutoFit/>
+          </a:bodyPr>
+          <a:lstStyle/>
+          <a:p>
+            <a:pPr algn="ctr"/>
+            <a:r>
+              <a:rPr lang="es-ES" dirty="0" smtClean="0"/>
+              <a:t>Recepcionista</a:t>
+            </a:r>
+            <a:endParaRPr lang="es-ES" dirty="0"/>
+          </a:p>
+        </p:txBody>
+      </p:sp>
       <p:pic>
         <p:nvPicPr>
-          <p:cNvPr id="14" name="Picture 3"/>
+          <p:cNvPr id="19" name="Picture 2" descr="C:\hlocal\is\TerceraEntrega20-3-13\ModeloCasosDeUso\monigote.png"/>
           <p:cNvPicPr>
             <a:picLocks noChangeAspect="1" noChangeArrowheads="1"/>
           </p:cNvPicPr>
@@ -5382,316 +5520,16 @@
           </a:stretch>
         </p:blipFill>
         <p:spPr bwMode="auto">
-          <a:xfrm rot="950581">
-            <a:off x="3817731" y="2673476"/>
-            <a:ext cx="1538037" cy="1546123"/>
+          <a:xfrm>
+            <a:off x="4067944" y="2494175"/>
+            <a:ext cx="1152128" cy="1717966"/>
           </a:xfrm>
           <a:prstGeom prst="rect">
             <a:avLst/>
           </a:prstGeom>
           <a:noFill/>
-          <a:ln w="9525">
-            <a:noFill/>
-            <a:miter lim="800000"/>
-            <a:headEnd/>
-            <a:tailEnd/>
-          </a:ln>
         </p:spPr>
       </p:pic>
-      <p:cxnSp>
-        <p:nvCxnSpPr>
-          <p:cNvPr id="15" name="14 Conector recto de flecha"/>
-          <p:cNvCxnSpPr/>
-          <p:nvPr/>
-        </p:nvCxnSpPr>
-        <p:spPr>
-          <a:xfrm flipH="1" flipV="1">
-            <a:off x="3491880" y="2924944"/>
-            <a:ext cx="504056" cy="216024"/>
-          </a:xfrm>
-          <a:prstGeom prst="straightConnector1">
-            <a:avLst/>
-          </a:prstGeom>
-          <a:ln>
-            <a:solidFill>
-              <a:schemeClr val="tx1"/>
-            </a:solidFill>
-            <a:tailEnd type="arrow"/>
-          </a:ln>
-        </p:spPr>
-        <p:style>
-          <a:lnRef idx="1">
-            <a:schemeClr val="accent1"/>
-          </a:lnRef>
-          <a:fillRef idx="0">
-            <a:schemeClr val="accent1"/>
-          </a:fillRef>
-          <a:effectRef idx="0">
-            <a:schemeClr val="accent1"/>
-          </a:effectRef>
-          <a:fontRef idx="minor">
-            <a:schemeClr val="tx1"/>
-          </a:fontRef>
-        </p:style>
-      </p:cxnSp>
-      <p:cxnSp>
-        <p:nvCxnSpPr>
-          <p:cNvPr id="16" name="15 Conector recto de flecha"/>
-          <p:cNvCxnSpPr/>
-          <p:nvPr/>
-        </p:nvCxnSpPr>
-        <p:spPr>
-          <a:xfrm flipV="1">
-            <a:off x="5148064" y="2132856"/>
-            <a:ext cx="720080" cy="576064"/>
-          </a:xfrm>
-          <a:prstGeom prst="straightConnector1">
-            <a:avLst/>
-          </a:prstGeom>
-          <a:ln>
-            <a:solidFill>
-              <a:schemeClr val="tx1"/>
-            </a:solidFill>
-            <a:tailEnd type="arrow"/>
-          </a:ln>
-        </p:spPr>
-        <p:style>
-          <a:lnRef idx="1">
-            <a:schemeClr val="accent1"/>
-          </a:lnRef>
-          <a:fillRef idx="0">
-            <a:schemeClr val="accent1"/>
-          </a:fillRef>
-          <a:effectRef idx="0">
-            <a:schemeClr val="accent1"/>
-          </a:effectRef>
-          <a:fontRef idx="minor">
-            <a:schemeClr val="tx1"/>
-          </a:fontRef>
-        </p:style>
-      </p:cxnSp>
-      <p:cxnSp>
-        <p:nvCxnSpPr>
-          <p:cNvPr id="17" name="16 Conector recto de flecha"/>
-          <p:cNvCxnSpPr/>
-          <p:nvPr/>
-        </p:nvCxnSpPr>
-        <p:spPr>
-          <a:xfrm>
-            <a:off x="5004048" y="4509120"/>
-            <a:ext cx="144016" cy="360040"/>
-          </a:xfrm>
-          <a:prstGeom prst="straightConnector1">
-            <a:avLst/>
-          </a:prstGeom>
-          <a:ln>
-            <a:solidFill>
-              <a:schemeClr val="tx1"/>
-            </a:solidFill>
-            <a:tailEnd type="arrow"/>
-          </a:ln>
-        </p:spPr>
-        <p:style>
-          <a:lnRef idx="1">
-            <a:schemeClr val="accent1"/>
-          </a:lnRef>
-          <a:fillRef idx="0">
-            <a:schemeClr val="accent1"/>
-          </a:fillRef>
-          <a:effectRef idx="0">
-            <a:schemeClr val="accent1"/>
-          </a:effectRef>
-          <a:fontRef idx="minor">
-            <a:schemeClr val="tx1"/>
-          </a:fontRef>
-        </p:style>
-      </p:cxnSp>
-      <p:cxnSp>
-        <p:nvCxnSpPr>
-          <p:cNvPr id="18" name="17 Conector recto de flecha"/>
-          <p:cNvCxnSpPr/>
-          <p:nvPr/>
-        </p:nvCxnSpPr>
-        <p:spPr>
-          <a:xfrm flipH="1">
-            <a:off x="3419872" y="3573016"/>
-            <a:ext cx="576064" cy="360040"/>
-          </a:xfrm>
-          <a:prstGeom prst="straightConnector1">
-            <a:avLst/>
-          </a:prstGeom>
-          <a:ln>
-            <a:solidFill>
-              <a:schemeClr val="tx1"/>
-            </a:solidFill>
-            <a:tailEnd type="arrow"/>
-          </a:ln>
-        </p:spPr>
-        <p:style>
-          <a:lnRef idx="1">
-            <a:schemeClr val="accent1"/>
-          </a:lnRef>
-          <a:fillRef idx="0">
-            <a:schemeClr val="accent1"/>
-          </a:fillRef>
-          <a:effectRef idx="0">
-            <a:schemeClr val="accent1"/>
-          </a:effectRef>
-          <a:fontRef idx="minor">
-            <a:schemeClr val="tx1"/>
-          </a:fontRef>
-        </p:style>
-      </p:cxnSp>
-      <p:cxnSp>
-        <p:nvCxnSpPr>
-          <p:cNvPr id="37" name="36 Conector recto de flecha"/>
-          <p:cNvCxnSpPr/>
-          <p:nvPr/>
-        </p:nvCxnSpPr>
-        <p:spPr>
-          <a:xfrm flipH="1" flipV="1">
-            <a:off x="4427984" y="1556792"/>
-            <a:ext cx="144016" cy="792088"/>
-          </a:xfrm>
-          <a:prstGeom prst="straightConnector1">
-            <a:avLst/>
-          </a:prstGeom>
-          <a:ln>
-            <a:solidFill>
-              <a:schemeClr val="tx1"/>
-            </a:solidFill>
-            <a:tailEnd type="arrow"/>
-          </a:ln>
-        </p:spPr>
-        <p:style>
-          <a:lnRef idx="1">
-            <a:schemeClr val="accent1"/>
-          </a:lnRef>
-          <a:fillRef idx="0">
-            <a:schemeClr val="accent1"/>
-          </a:fillRef>
-          <a:effectRef idx="0">
-            <a:schemeClr val="accent1"/>
-          </a:effectRef>
-          <a:fontRef idx="minor">
-            <a:schemeClr val="tx1"/>
-          </a:fontRef>
-        </p:style>
-      </p:cxnSp>
-      <p:cxnSp>
-        <p:nvCxnSpPr>
-          <p:cNvPr id="39" name="38 Conector recto de flecha"/>
-          <p:cNvCxnSpPr/>
-          <p:nvPr/>
-        </p:nvCxnSpPr>
-        <p:spPr>
-          <a:xfrm>
-            <a:off x="5076056" y="3284984"/>
-            <a:ext cx="504056" cy="72008"/>
-          </a:xfrm>
-          <a:prstGeom prst="straightConnector1">
-            <a:avLst/>
-          </a:prstGeom>
-          <a:ln>
-            <a:solidFill>
-              <a:schemeClr val="tx1"/>
-            </a:solidFill>
-            <a:tailEnd type="arrow"/>
-          </a:ln>
-        </p:spPr>
-        <p:style>
-          <a:lnRef idx="1">
-            <a:schemeClr val="accent1"/>
-          </a:lnRef>
-          <a:fillRef idx="0">
-            <a:schemeClr val="accent1"/>
-          </a:fillRef>
-          <a:effectRef idx="0">
-            <a:schemeClr val="accent1"/>
-          </a:effectRef>
-          <a:fontRef idx="minor">
-            <a:schemeClr val="tx1"/>
-          </a:fontRef>
-        </p:style>
-      </p:cxnSp>
-      <p:grpSp>
-        <p:nvGrpSpPr>
-          <p:cNvPr id="45" name="44 Grupo"/>
-          <p:cNvGrpSpPr/>
-          <p:nvPr/>
-        </p:nvGrpSpPr>
-        <p:grpSpPr>
-          <a:xfrm>
-            <a:off x="3826051" y="2673476"/>
-            <a:ext cx="1610045" cy="1844936"/>
-            <a:chOff x="3745723" y="2673476"/>
-            <a:chExt cx="1610045" cy="1844936"/>
-          </a:xfrm>
-        </p:grpSpPr>
-        <p:pic>
-          <p:nvPicPr>
-            <p:cNvPr id="46" name="Picture 3"/>
-            <p:cNvPicPr>
-              <a:picLocks noChangeAspect="1" noChangeArrowheads="1"/>
-            </p:cNvPicPr>
-            <p:nvPr/>
-          </p:nvPicPr>
-          <p:blipFill>
-            <a:blip r:embed="rId2" cstate="print"/>
-            <a:srcRect/>
-            <a:stretch>
-              <a:fillRect/>
-            </a:stretch>
-          </p:blipFill>
-          <p:spPr bwMode="auto">
-            <a:xfrm rot="950581">
-              <a:off x="3745723" y="2673476"/>
-              <a:ext cx="1538037" cy="1546123"/>
-            </a:xfrm>
-            <a:prstGeom prst="rect">
-              <a:avLst/>
-            </a:prstGeom>
-            <a:noFill/>
-            <a:ln w="9525">
-              <a:noFill/>
-              <a:miter lim="800000"/>
-              <a:headEnd/>
-              <a:tailEnd/>
-            </a:ln>
-          </p:spPr>
-        </p:pic>
-        <p:sp>
-          <p:nvSpPr>
-            <p:cNvPr id="47" name="46 CuadroTexto"/>
-            <p:cNvSpPr txBox="1"/>
-            <p:nvPr/>
-          </p:nvSpPr>
-          <p:spPr>
-            <a:xfrm>
-              <a:off x="3771592" y="4149080"/>
-              <a:ext cx="1584176" cy="369332"/>
-            </a:xfrm>
-            <a:prstGeom prst="rect">
-              <a:avLst/>
-            </a:prstGeom>
-            <a:noFill/>
-          </p:spPr>
-          <p:txBody>
-            <a:bodyPr wrap="square" rtlCol="0">
-              <a:spAutoFit/>
-            </a:bodyPr>
-            <a:lstStyle/>
-            <a:p>
-              <a:pPr algn="ctr"/>
-              <a:r>
-                <a:rPr lang="es-ES" dirty="0" smtClean="0"/>
-                <a:t>Recepcionista</a:t>
-              </a:r>
-              <a:endParaRPr lang="es-ES" dirty="0"/>
-            </a:p>
-          </p:txBody>
-        </p:sp>
-      </p:grpSp>
     </p:spTree>
   </p:cSld>
   <p:clrMapOvr>
@@ -5937,9 +5775,220 @@
           </a:p>
         </p:txBody>
       </p:sp>
+      <p:cxnSp>
+        <p:nvCxnSpPr>
+          <p:cNvPr id="10" name="9 Conector recto de flecha"/>
+          <p:cNvCxnSpPr/>
+          <p:nvPr/>
+        </p:nvCxnSpPr>
+        <p:spPr>
+          <a:xfrm flipH="1" flipV="1">
+            <a:off x="3635896" y="3212976"/>
+            <a:ext cx="432048" cy="72008"/>
+          </a:xfrm>
+          <a:prstGeom prst="straightConnector1">
+            <a:avLst/>
+          </a:prstGeom>
+          <a:ln>
+            <a:solidFill>
+              <a:schemeClr val="tx1"/>
+            </a:solidFill>
+            <a:tailEnd type="arrow"/>
+          </a:ln>
+        </p:spPr>
+        <p:style>
+          <a:lnRef idx="1">
+            <a:schemeClr val="accent1"/>
+          </a:lnRef>
+          <a:fillRef idx="0">
+            <a:schemeClr val="accent1"/>
+          </a:fillRef>
+          <a:effectRef idx="0">
+            <a:schemeClr val="accent1"/>
+          </a:effectRef>
+          <a:fontRef idx="minor">
+            <a:schemeClr val="tx1"/>
+          </a:fontRef>
+        </p:style>
+      </p:cxnSp>
+      <p:cxnSp>
+        <p:nvCxnSpPr>
+          <p:cNvPr id="11" name="10 Conector recto de flecha"/>
+          <p:cNvCxnSpPr/>
+          <p:nvPr/>
+        </p:nvCxnSpPr>
+        <p:spPr>
+          <a:xfrm flipV="1">
+            <a:off x="5076056" y="3140968"/>
+            <a:ext cx="576064" cy="216024"/>
+          </a:xfrm>
+          <a:prstGeom prst="straightConnector1">
+            <a:avLst/>
+          </a:prstGeom>
+          <a:ln>
+            <a:solidFill>
+              <a:schemeClr val="tx1"/>
+            </a:solidFill>
+            <a:tailEnd type="arrow"/>
+          </a:ln>
+        </p:spPr>
+        <p:style>
+          <a:lnRef idx="1">
+            <a:schemeClr val="accent1"/>
+          </a:lnRef>
+          <a:fillRef idx="0">
+            <a:schemeClr val="accent1"/>
+          </a:fillRef>
+          <a:effectRef idx="0">
+            <a:schemeClr val="accent1"/>
+          </a:effectRef>
+          <a:fontRef idx="minor">
+            <a:schemeClr val="tx1"/>
+          </a:fontRef>
+        </p:style>
+      </p:cxnSp>
+      <p:cxnSp>
+        <p:nvCxnSpPr>
+          <p:cNvPr id="12" name="11 Conector recto de flecha"/>
+          <p:cNvCxnSpPr/>
+          <p:nvPr/>
+        </p:nvCxnSpPr>
+        <p:spPr>
+          <a:xfrm>
+            <a:off x="5148064" y="3645024"/>
+            <a:ext cx="1008112" cy="1080120"/>
+          </a:xfrm>
+          <a:prstGeom prst="straightConnector1">
+            <a:avLst/>
+          </a:prstGeom>
+          <a:ln>
+            <a:solidFill>
+              <a:schemeClr val="tx1"/>
+            </a:solidFill>
+            <a:tailEnd type="arrow"/>
+          </a:ln>
+        </p:spPr>
+        <p:style>
+          <a:lnRef idx="1">
+            <a:schemeClr val="accent1"/>
+          </a:lnRef>
+          <a:fillRef idx="0">
+            <a:schemeClr val="accent1"/>
+          </a:fillRef>
+          <a:effectRef idx="0">
+            <a:schemeClr val="accent1"/>
+          </a:effectRef>
+          <a:fontRef idx="minor">
+            <a:schemeClr val="tx1"/>
+          </a:fontRef>
+        </p:style>
+      </p:cxnSp>
+      <p:cxnSp>
+        <p:nvCxnSpPr>
+          <p:cNvPr id="13" name="12 Conector recto de flecha"/>
+          <p:cNvCxnSpPr/>
+          <p:nvPr/>
+        </p:nvCxnSpPr>
+        <p:spPr>
+          <a:xfrm flipH="1">
+            <a:off x="3275856" y="3789040"/>
+            <a:ext cx="792088" cy="648072"/>
+          </a:xfrm>
+          <a:prstGeom prst="straightConnector1">
+            <a:avLst/>
+          </a:prstGeom>
+          <a:ln>
+            <a:solidFill>
+              <a:schemeClr val="tx1"/>
+            </a:solidFill>
+            <a:tailEnd type="arrow"/>
+          </a:ln>
+        </p:spPr>
+        <p:style>
+          <a:lnRef idx="1">
+            <a:schemeClr val="accent1"/>
+          </a:lnRef>
+          <a:fillRef idx="0">
+            <a:schemeClr val="accent1"/>
+          </a:fillRef>
+          <a:effectRef idx="0">
+            <a:schemeClr val="accent1"/>
+          </a:effectRef>
+          <a:fontRef idx="minor">
+            <a:schemeClr val="tx1"/>
+          </a:fontRef>
+        </p:style>
+      </p:cxnSp>
+      <p:cxnSp>
+        <p:nvCxnSpPr>
+          <p:cNvPr id="27" name="26 Conector recto de flecha"/>
+          <p:cNvCxnSpPr/>
+          <p:nvPr/>
+        </p:nvCxnSpPr>
+        <p:spPr>
+          <a:xfrm flipH="1" flipV="1">
+            <a:off x="4283968" y="1916832"/>
+            <a:ext cx="144016" cy="648072"/>
+          </a:xfrm>
+          <a:prstGeom prst="straightConnector1">
+            <a:avLst/>
+          </a:prstGeom>
+          <a:ln>
+            <a:solidFill>
+              <a:schemeClr val="tx1"/>
+            </a:solidFill>
+            <a:tailEnd type="arrow"/>
+          </a:ln>
+        </p:spPr>
+        <p:style>
+          <a:lnRef idx="1">
+            <a:schemeClr val="accent1"/>
+          </a:lnRef>
+          <a:fillRef idx="0">
+            <a:schemeClr val="accent1"/>
+          </a:fillRef>
+          <a:effectRef idx="0">
+            <a:schemeClr val="accent1"/>
+          </a:effectRef>
+          <a:fontRef idx="minor">
+            <a:schemeClr val="tx1"/>
+          </a:fontRef>
+        </p:style>
+      </p:cxnSp>
+      <p:sp>
+        <p:nvSpPr>
+          <p:cNvPr id="30" name="29 CuadroTexto"/>
+          <p:cNvSpPr txBox="1"/>
+          <p:nvPr/>
+        </p:nvSpPr>
+        <p:spPr>
+          <a:xfrm>
+            <a:off x="4004256" y="4149080"/>
+            <a:ext cx="1296144" cy="369332"/>
+          </a:xfrm>
+          <a:prstGeom prst="rect">
+            <a:avLst/>
+          </a:prstGeom>
+          <a:noFill/>
+        </p:spPr>
+        <p:txBody>
+          <a:bodyPr wrap="square" rtlCol="0">
+            <a:spAutoFit/>
+          </a:bodyPr>
+          <a:lstStyle/>
+          <a:p>
+            <a:pPr algn="ctr"/>
+            <a:r>
+              <a:rPr lang="es-ES" dirty="0" smtClean="0"/>
+              <a:t>Jefe</a:t>
+            </a:r>
+            <a:endParaRPr lang="es-ES" dirty="0"/>
+          </a:p>
+        </p:txBody>
+      </p:sp>
       <p:pic>
         <p:nvPicPr>
-          <p:cNvPr id="9" name="Picture 3"/>
+          <p:cNvPr id="16" name="Picture 2" descr="C:\hlocal\is\TerceraEntrega20-3-13\ModeloCasosDeUso\monigote.png"/>
           <p:cNvPicPr>
             <a:picLocks noChangeAspect="1" noChangeArrowheads="1"/>
           </p:cNvPicPr>
@@ -5953,280 +6002,16 @@
           </a:stretch>
         </p:blipFill>
         <p:spPr bwMode="auto">
-          <a:xfrm rot="950581">
-            <a:off x="3817731" y="2673476"/>
-            <a:ext cx="1538037" cy="1546123"/>
+          <a:xfrm>
+            <a:off x="4067944" y="2494175"/>
+            <a:ext cx="1152128" cy="1717966"/>
           </a:xfrm>
           <a:prstGeom prst="rect">
             <a:avLst/>
           </a:prstGeom>
           <a:noFill/>
-          <a:ln w="9525">
-            <a:noFill/>
-            <a:miter lim="800000"/>
-            <a:headEnd/>
-            <a:tailEnd/>
-          </a:ln>
         </p:spPr>
       </p:pic>
-      <p:cxnSp>
-        <p:nvCxnSpPr>
-          <p:cNvPr id="10" name="9 Conector recto de flecha"/>
-          <p:cNvCxnSpPr/>
-          <p:nvPr/>
-        </p:nvCxnSpPr>
-        <p:spPr>
-          <a:xfrm flipH="1" flipV="1">
-            <a:off x="3635896" y="3212976"/>
-            <a:ext cx="432048" cy="72008"/>
-          </a:xfrm>
-          <a:prstGeom prst="straightConnector1">
-            <a:avLst/>
-          </a:prstGeom>
-          <a:ln>
-            <a:solidFill>
-              <a:schemeClr val="tx1"/>
-            </a:solidFill>
-            <a:tailEnd type="arrow"/>
-          </a:ln>
-        </p:spPr>
-        <p:style>
-          <a:lnRef idx="1">
-            <a:schemeClr val="accent1"/>
-          </a:lnRef>
-          <a:fillRef idx="0">
-            <a:schemeClr val="accent1"/>
-          </a:fillRef>
-          <a:effectRef idx="0">
-            <a:schemeClr val="accent1"/>
-          </a:effectRef>
-          <a:fontRef idx="minor">
-            <a:schemeClr val="tx1"/>
-          </a:fontRef>
-        </p:style>
-      </p:cxnSp>
-      <p:cxnSp>
-        <p:nvCxnSpPr>
-          <p:cNvPr id="11" name="10 Conector recto de flecha"/>
-          <p:cNvCxnSpPr/>
-          <p:nvPr/>
-        </p:nvCxnSpPr>
-        <p:spPr>
-          <a:xfrm flipV="1">
-            <a:off x="5076056" y="3140968"/>
-            <a:ext cx="576064" cy="216024"/>
-          </a:xfrm>
-          <a:prstGeom prst="straightConnector1">
-            <a:avLst/>
-          </a:prstGeom>
-          <a:ln>
-            <a:solidFill>
-              <a:schemeClr val="tx1"/>
-            </a:solidFill>
-            <a:tailEnd type="arrow"/>
-          </a:ln>
-        </p:spPr>
-        <p:style>
-          <a:lnRef idx="1">
-            <a:schemeClr val="accent1"/>
-          </a:lnRef>
-          <a:fillRef idx="0">
-            <a:schemeClr val="accent1"/>
-          </a:fillRef>
-          <a:effectRef idx="0">
-            <a:schemeClr val="accent1"/>
-          </a:effectRef>
-          <a:fontRef idx="minor">
-            <a:schemeClr val="tx1"/>
-          </a:fontRef>
-        </p:style>
-      </p:cxnSp>
-      <p:cxnSp>
-        <p:nvCxnSpPr>
-          <p:cNvPr id="12" name="11 Conector recto de flecha"/>
-          <p:cNvCxnSpPr/>
-          <p:nvPr/>
-        </p:nvCxnSpPr>
-        <p:spPr>
-          <a:xfrm>
-            <a:off x="5148064" y="3645024"/>
-            <a:ext cx="1008112" cy="1080120"/>
-          </a:xfrm>
-          <a:prstGeom prst="straightConnector1">
-            <a:avLst/>
-          </a:prstGeom>
-          <a:ln>
-            <a:solidFill>
-              <a:schemeClr val="tx1"/>
-            </a:solidFill>
-            <a:tailEnd type="arrow"/>
-          </a:ln>
-        </p:spPr>
-        <p:style>
-          <a:lnRef idx="1">
-            <a:schemeClr val="accent1"/>
-          </a:lnRef>
-          <a:fillRef idx="0">
-            <a:schemeClr val="accent1"/>
-          </a:fillRef>
-          <a:effectRef idx="0">
-            <a:schemeClr val="accent1"/>
-          </a:effectRef>
-          <a:fontRef idx="minor">
-            <a:schemeClr val="tx1"/>
-          </a:fontRef>
-        </p:style>
-      </p:cxnSp>
-      <p:cxnSp>
-        <p:nvCxnSpPr>
-          <p:cNvPr id="13" name="12 Conector recto de flecha"/>
-          <p:cNvCxnSpPr/>
-          <p:nvPr/>
-        </p:nvCxnSpPr>
-        <p:spPr>
-          <a:xfrm flipH="1">
-            <a:off x="3275856" y="3789040"/>
-            <a:ext cx="792088" cy="648072"/>
-          </a:xfrm>
-          <a:prstGeom prst="straightConnector1">
-            <a:avLst/>
-          </a:prstGeom>
-          <a:ln>
-            <a:solidFill>
-              <a:schemeClr val="tx1"/>
-            </a:solidFill>
-            <a:tailEnd type="arrow"/>
-          </a:ln>
-        </p:spPr>
-        <p:style>
-          <a:lnRef idx="1">
-            <a:schemeClr val="accent1"/>
-          </a:lnRef>
-          <a:fillRef idx="0">
-            <a:schemeClr val="accent1"/>
-          </a:fillRef>
-          <a:effectRef idx="0">
-            <a:schemeClr val="accent1"/>
-          </a:effectRef>
-          <a:fontRef idx="minor">
-            <a:schemeClr val="tx1"/>
-          </a:fontRef>
-        </p:style>
-      </p:cxnSp>
-      <p:cxnSp>
-        <p:nvCxnSpPr>
-          <p:cNvPr id="27" name="26 Conector recto de flecha"/>
-          <p:cNvCxnSpPr/>
-          <p:nvPr/>
-        </p:nvCxnSpPr>
-        <p:spPr>
-          <a:xfrm flipH="1" flipV="1">
-            <a:off x="4283968" y="1916832"/>
-            <a:ext cx="144016" cy="648072"/>
-          </a:xfrm>
-          <a:prstGeom prst="straightConnector1">
-            <a:avLst/>
-          </a:prstGeom>
-          <a:ln>
-            <a:solidFill>
-              <a:schemeClr val="tx1"/>
-            </a:solidFill>
-            <a:tailEnd type="arrow"/>
-          </a:ln>
-        </p:spPr>
-        <p:style>
-          <a:lnRef idx="1">
-            <a:schemeClr val="accent1"/>
-          </a:lnRef>
-          <a:fillRef idx="0">
-            <a:schemeClr val="accent1"/>
-          </a:fillRef>
-          <a:effectRef idx="0">
-            <a:schemeClr val="accent1"/>
-          </a:effectRef>
-          <a:fontRef idx="minor">
-            <a:schemeClr val="tx1"/>
-          </a:fontRef>
-        </p:style>
-      </p:cxnSp>
-      <p:grpSp>
-        <p:nvGrpSpPr>
-          <p:cNvPr id="28" name="27 Grupo"/>
-          <p:cNvGrpSpPr/>
-          <p:nvPr/>
-        </p:nvGrpSpPr>
-        <p:grpSpPr>
-          <a:xfrm>
-            <a:off x="3826051" y="2673476"/>
-            <a:ext cx="1538037" cy="1844936"/>
-            <a:chOff x="3745723" y="2673476"/>
-            <a:chExt cx="1538037" cy="1844936"/>
-          </a:xfrm>
-        </p:grpSpPr>
-        <p:pic>
-          <p:nvPicPr>
-            <p:cNvPr id="29" name="Picture 3"/>
-            <p:cNvPicPr>
-              <a:picLocks noChangeAspect="1" noChangeArrowheads="1"/>
-            </p:cNvPicPr>
-            <p:nvPr/>
-          </p:nvPicPr>
-          <p:blipFill>
-            <a:blip r:embed="rId2" cstate="print"/>
-            <a:srcRect/>
-            <a:stretch>
-              <a:fillRect/>
-            </a:stretch>
-          </p:blipFill>
-          <p:spPr bwMode="auto">
-            <a:xfrm rot="950581">
-              <a:off x="3745723" y="2673476"/>
-              <a:ext cx="1538037" cy="1546123"/>
-            </a:xfrm>
-            <a:prstGeom prst="rect">
-              <a:avLst/>
-            </a:prstGeom>
-            <a:noFill/>
-            <a:ln w="9525">
-              <a:noFill/>
-              <a:miter lim="800000"/>
-              <a:headEnd/>
-              <a:tailEnd/>
-            </a:ln>
-          </p:spPr>
-        </p:pic>
-        <p:sp>
-          <p:nvSpPr>
-            <p:cNvPr id="30" name="29 CuadroTexto"/>
-            <p:cNvSpPr txBox="1"/>
-            <p:nvPr/>
-          </p:nvSpPr>
-          <p:spPr>
-            <a:xfrm>
-              <a:off x="3923928" y="4149080"/>
-              <a:ext cx="1296144" cy="369332"/>
-            </a:xfrm>
-            <a:prstGeom prst="rect">
-              <a:avLst/>
-            </a:prstGeom>
-            <a:noFill/>
-          </p:spPr>
-          <p:txBody>
-            <a:bodyPr wrap="square" rtlCol="0">
-              <a:spAutoFit/>
-            </a:bodyPr>
-            <a:lstStyle/>
-            <a:p>
-              <a:pPr algn="ctr"/>
-              <a:r>
-                <a:rPr lang="es-ES" dirty="0" smtClean="0"/>
-                <a:t>Jefe</a:t>
-              </a:r>
-              <a:endParaRPr lang="es-ES" dirty="0"/>
-            </a:p>
-          </p:txBody>
-        </p:sp>
-      </p:grpSp>
     </p:spTree>
   </p:cSld>
   <p:clrMapOvr>
@@ -6428,9 +6213,184 @@
           </a:p>
         </p:txBody>
       </p:sp>
+      <p:cxnSp>
+        <p:nvCxnSpPr>
+          <p:cNvPr id="9" name="8 Conector recto de flecha"/>
+          <p:cNvCxnSpPr/>
+          <p:nvPr/>
+        </p:nvCxnSpPr>
+        <p:spPr>
+          <a:xfrm flipH="1" flipV="1">
+            <a:off x="3275856" y="2348880"/>
+            <a:ext cx="720080" cy="432048"/>
+          </a:xfrm>
+          <a:prstGeom prst="straightConnector1">
+            <a:avLst/>
+          </a:prstGeom>
+          <a:ln>
+            <a:solidFill>
+              <a:schemeClr val="tx1"/>
+            </a:solidFill>
+            <a:tailEnd type="arrow"/>
+          </a:ln>
+        </p:spPr>
+        <p:style>
+          <a:lnRef idx="1">
+            <a:schemeClr val="accent1"/>
+          </a:lnRef>
+          <a:fillRef idx="0">
+            <a:schemeClr val="accent1"/>
+          </a:fillRef>
+          <a:effectRef idx="0">
+            <a:schemeClr val="accent1"/>
+          </a:effectRef>
+          <a:fontRef idx="minor">
+            <a:schemeClr val="tx1"/>
+          </a:fontRef>
+        </p:style>
+      </p:cxnSp>
+      <p:cxnSp>
+        <p:nvCxnSpPr>
+          <p:cNvPr id="10" name="9 Conector recto de flecha"/>
+          <p:cNvCxnSpPr/>
+          <p:nvPr/>
+        </p:nvCxnSpPr>
+        <p:spPr>
+          <a:xfrm flipV="1">
+            <a:off x="5148064" y="2348880"/>
+            <a:ext cx="504056" cy="360040"/>
+          </a:xfrm>
+          <a:prstGeom prst="straightConnector1">
+            <a:avLst/>
+          </a:prstGeom>
+          <a:ln>
+            <a:solidFill>
+              <a:schemeClr val="tx1"/>
+            </a:solidFill>
+            <a:tailEnd type="arrow"/>
+          </a:ln>
+        </p:spPr>
+        <p:style>
+          <a:lnRef idx="1">
+            <a:schemeClr val="accent1"/>
+          </a:lnRef>
+          <a:fillRef idx="0">
+            <a:schemeClr val="accent1"/>
+          </a:fillRef>
+          <a:effectRef idx="0">
+            <a:schemeClr val="accent1"/>
+          </a:effectRef>
+          <a:fontRef idx="minor">
+            <a:schemeClr val="tx1"/>
+          </a:fontRef>
+        </p:style>
+      </p:cxnSp>
+      <p:cxnSp>
+        <p:nvCxnSpPr>
+          <p:cNvPr id="11" name="10 Conector recto de flecha"/>
+          <p:cNvCxnSpPr/>
+          <p:nvPr/>
+        </p:nvCxnSpPr>
+        <p:spPr>
+          <a:xfrm>
+            <a:off x="5148064" y="3645024"/>
+            <a:ext cx="720080" cy="720080"/>
+          </a:xfrm>
+          <a:prstGeom prst="straightConnector1">
+            <a:avLst/>
+          </a:prstGeom>
+          <a:ln>
+            <a:solidFill>
+              <a:schemeClr val="tx1"/>
+            </a:solidFill>
+            <a:tailEnd type="arrow"/>
+          </a:ln>
+        </p:spPr>
+        <p:style>
+          <a:lnRef idx="1">
+            <a:schemeClr val="accent1"/>
+          </a:lnRef>
+          <a:fillRef idx="0">
+            <a:schemeClr val="accent1"/>
+          </a:fillRef>
+          <a:effectRef idx="0">
+            <a:schemeClr val="accent1"/>
+          </a:effectRef>
+          <a:fontRef idx="minor">
+            <a:schemeClr val="tx1"/>
+          </a:fontRef>
+        </p:style>
+      </p:cxnSp>
+      <p:cxnSp>
+        <p:nvCxnSpPr>
+          <p:cNvPr id="12" name="11 Conector recto de flecha"/>
+          <p:cNvCxnSpPr/>
+          <p:nvPr/>
+        </p:nvCxnSpPr>
+        <p:spPr>
+          <a:xfrm flipH="1">
+            <a:off x="3131840" y="3573016"/>
+            <a:ext cx="864096" cy="720080"/>
+          </a:xfrm>
+          <a:prstGeom prst="straightConnector1">
+            <a:avLst/>
+          </a:prstGeom>
+          <a:ln>
+            <a:solidFill>
+              <a:schemeClr val="tx1"/>
+            </a:solidFill>
+            <a:tailEnd type="arrow"/>
+          </a:ln>
+        </p:spPr>
+        <p:style>
+          <a:lnRef idx="1">
+            <a:schemeClr val="accent1"/>
+          </a:lnRef>
+          <a:fillRef idx="0">
+            <a:schemeClr val="accent1"/>
+          </a:fillRef>
+          <a:effectRef idx="0">
+            <a:schemeClr val="accent1"/>
+          </a:effectRef>
+          <a:fontRef idx="minor">
+            <a:schemeClr val="tx1"/>
+          </a:fontRef>
+        </p:style>
+      </p:cxnSp>
+      <p:sp>
+        <p:nvSpPr>
+          <p:cNvPr id="23" name="22 CuadroTexto"/>
+          <p:cNvSpPr txBox="1"/>
+          <p:nvPr/>
+        </p:nvSpPr>
+        <p:spPr>
+          <a:xfrm>
+            <a:off x="4004256" y="4149080"/>
+            <a:ext cx="1296144" cy="369332"/>
+          </a:xfrm>
+          <a:prstGeom prst="rect">
+            <a:avLst/>
+          </a:prstGeom>
+          <a:noFill/>
+        </p:spPr>
+        <p:txBody>
+          <a:bodyPr wrap="square" rtlCol="0">
+            <a:spAutoFit/>
+          </a:bodyPr>
+          <a:lstStyle/>
+          <a:p>
+            <a:pPr algn="ctr"/>
+            <a:r>
+              <a:rPr lang="es-ES" dirty="0" smtClean="0"/>
+              <a:t>Jefe</a:t>
+            </a:r>
+            <a:endParaRPr lang="es-ES" dirty="0"/>
+          </a:p>
+        </p:txBody>
+      </p:sp>
       <p:pic>
         <p:nvPicPr>
-          <p:cNvPr id="8" name="Picture 3"/>
+          <p:cNvPr id="14" name="Picture 2" descr="C:\hlocal\is\TerceraEntrega20-3-13\ModeloCasosDeUso\monigote.png"/>
           <p:cNvPicPr>
             <a:picLocks noChangeAspect="1" noChangeArrowheads="1"/>
           </p:cNvPicPr>
@@ -6444,244 +6404,16 @@
           </a:stretch>
         </p:blipFill>
         <p:spPr bwMode="auto">
-          <a:xfrm rot="950581">
-            <a:off x="3817731" y="2673476"/>
-            <a:ext cx="1538037" cy="1546123"/>
+          <a:xfrm>
+            <a:off x="4067944" y="2494175"/>
+            <a:ext cx="1152128" cy="1717966"/>
           </a:xfrm>
           <a:prstGeom prst="rect">
             <a:avLst/>
           </a:prstGeom>
           <a:noFill/>
-          <a:ln w="9525">
-            <a:noFill/>
-            <a:miter lim="800000"/>
-            <a:headEnd/>
-            <a:tailEnd/>
-          </a:ln>
         </p:spPr>
       </p:pic>
-      <p:cxnSp>
-        <p:nvCxnSpPr>
-          <p:cNvPr id="9" name="8 Conector recto de flecha"/>
-          <p:cNvCxnSpPr/>
-          <p:nvPr/>
-        </p:nvCxnSpPr>
-        <p:spPr>
-          <a:xfrm flipH="1" flipV="1">
-            <a:off x="3275856" y="2348880"/>
-            <a:ext cx="720080" cy="432048"/>
-          </a:xfrm>
-          <a:prstGeom prst="straightConnector1">
-            <a:avLst/>
-          </a:prstGeom>
-          <a:ln>
-            <a:solidFill>
-              <a:schemeClr val="tx1"/>
-            </a:solidFill>
-            <a:tailEnd type="arrow"/>
-          </a:ln>
-        </p:spPr>
-        <p:style>
-          <a:lnRef idx="1">
-            <a:schemeClr val="accent1"/>
-          </a:lnRef>
-          <a:fillRef idx="0">
-            <a:schemeClr val="accent1"/>
-          </a:fillRef>
-          <a:effectRef idx="0">
-            <a:schemeClr val="accent1"/>
-          </a:effectRef>
-          <a:fontRef idx="minor">
-            <a:schemeClr val="tx1"/>
-          </a:fontRef>
-        </p:style>
-      </p:cxnSp>
-      <p:cxnSp>
-        <p:nvCxnSpPr>
-          <p:cNvPr id="10" name="9 Conector recto de flecha"/>
-          <p:cNvCxnSpPr/>
-          <p:nvPr/>
-        </p:nvCxnSpPr>
-        <p:spPr>
-          <a:xfrm flipV="1">
-            <a:off x="5148064" y="2348880"/>
-            <a:ext cx="504056" cy="360040"/>
-          </a:xfrm>
-          <a:prstGeom prst="straightConnector1">
-            <a:avLst/>
-          </a:prstGeom>
-          <a:ln>
-            <a:solidFill>
-              <a:schemeClr val="tx1"/>
-            </a:solidFill>
-            <a:tailEnd type="arrow"/>
-          </a:ln>
-        </p:spPr>
-        <p:style>
-          <a:lnRef idx="1">
-            <a:schemeClr val="accent1"/>
-          </a:lnRef>
-          <a:fillRef idx="0">
-            <a:schemeClr val="accent1"/>
-          </a:fillRef>
-          <a:effectRef idx="0">
-            <a:schemeClr val="accent1"/>
-          </a:effectRef>
-          <a:fontRef idx="minor">
-            <a:schemeClr val="tx1"/>
-          </a:fontRef>
-        </p:style>
-      </p:cxnSp>
-      <p:cxnSp>
-        <p:nvCxnSpPr>
-          <p:cNvPr id="11" name="10 Conector recto de flecha"/>
-          <p:cNvCxnSpPr/>
-          <p:nvPr/>
-        </p:nvCxnSpPr>
-        <p:spPr>
-          <a:xfrm>
-            <a:off x="5148064" y="3645024"/>
-            <a:ext cx="720080" cy="720080"/>
-          </a:xfrm>
-          <a:prstGeom prst="straightConnector1">
-            <a:avLst/>
-          </a:prstGeom>
-          <a:ln>
-            <a:solidFill>
-              <a:schemeClr val="tx1"/>
-            </a:solidFill>
-            <a:tailEnd type="arrow"/>
-          </a:ln>
-        </p:spPr>
-        <p:style>
-          <a:lnRef idx="1">
-            <a:schemeClr val="accent1"/>
-          </a:lnRef>
-          <a:fillRef idx="0">
-            <a:schemeClr val="accent1"/>
-          </a:fillRef>
-          <a:effectRef idx="0">
-            <a:schemeClr val="accent1"/>
-          </a:effectRef>
-          <a:fontRef idx="minor">
-            <a:schemeClr val="tx1"/>
-          </a:fontRef>
-        </p:style>
-      </p:cxnSp>
-      <p:cxnSp>
-        <p:nvCxnSpPr>
-          <p:cNvPr id="12" name="11 Conector recto de flecha"/>
-          <p:cNvCxnSpPr/>
-          <p:nvPr/>
-        </p:nvCxnSpPr>
-        <p:spPr>
-          <a:xfrm flipH="1">
-            <a:off x="3131840" y="3573016"/>
-            <a:ext cx="864096" cy="720080"/>
-          </a:xfrm>
-          <a:prstGeom prst="straightConnector1">
-            <a:avLst/>
-          </a:prstGeom>
-          <a:ln>
-            <a:solidFill>
-              <a:schemeClr val="tx1"/>
-            </a:solidFill>
-            <a:tailEnd type="arrow"/>
-          </a:ln>
-        </p:spPr>
-        <p:style>
-          <a:lnRef idx="1">
-            <a:schemeClr val="accent1"/>
-          </a:lnRef>
-          <a:fillRef idx="0">
-            <a:schemeClr val="accent1"/>
-          </a:fillRef>
-          <a:effectRef idx="0">
-            <a:schemeClr val="accent1"/>
-          </a:effectRef>
-          <a:fontRef idx="minor">
-            <a:schemeClr val="tx1"/>
-          </a:fontRef>
-        </p:style>
-      </p:cxnSp>
-      <p:grpSp>
-        <p:nvGrpSpPr>
-          <p:cNvPr id="21" name="20 Grupo"/>
-          <p:cNvGrpSpPr/>
-          <p:nvPr/>
-        </p:nvGrpSpPr>
-        <p:grpSpPr>
-          <a:xfrm>
-            <a:off x="3826051" y="2673476"/>
-            <a:ext cx="1538037" cy="1844936"/>
-            <a:chOff x="3745723" y="2673476"/>
-            <a:chExt cx="1538037" cy="1844936"/>
-          </a:xfrm>
-        </p:grpSpPr>
-        <p:pic>
-          <p:nvPicPr>
-            <p:cNvPr id="22" name="Picture 3"/>
-            <p:cNvPicPr>
-              <a:picLocks noChangeAspect="1" noChangeArrowheads="1"/>
-            </p:cNvPicPr>
-            <p:nvPr/>
-          </p:nvPicPr>
-          <p:blipFill>
-            <a:blip r:embed="rId2" cstate="print"/>
-            <a:srcRect/>
-            <a:stretch>
-              <a:fillRect/>
-            </a:stretch>
-          </p:blipFill>
-          <p:spPr bwMode="auto">
-            <a:xfrm rot="950581">
-              <a:off x="3745723" y="2673476"/>
-              <a:ext cx="1538037" cy="1546123"/>
-            </a:xfrm>
-            <a:prstGeom prst="rect">
-              <a:avLst/>
-            </a:prstGeom>
-            <a:noFill/>
-            <a:ln w="9525">
-              <a:noFill/>
-              <a:miter lim="800000"/>
-              <a:headEnd/>
-              <a:tailEnd/>
-            </a:ln>
-          </p:spPr>
-        </p:pic>
-        <p:sp>
-          <p:nvSpPr>
-            <p:cNvPr id="23" name="22 CuadroTexto"/>
-            <p:cNvSpPr txBox="1"/>
-            <p:nvPr/>
-          </p:nvSpPr>
-          <p:spPr>
-            <a:xfrm>
-              <a:off x="3923928" y="4149080"/>
-              <a:ext cx="1296144" cy="369332"/>
-            </a:xfrm>
-            <a:prstGeom prst="rect">
-              <a:avLst/>
-            </a:prstGeom>
-            <a:noFill/>
-          </p:spPr>
-          <p:txBody>
-            <a:bodyPr wrap="square" rtlCol="0">
-              <a:spAutoFit/>
-            </a:bodyPr>
-            <a:lstStyle/>
-            <a:p>
-              <a:pPr algn="ctr"/>
-              <a:r>
-                <a:rPr lang="es-ES" dirty="0" smtClean="0"/>
-                <a:t>Jefe</a:t>
-              </a:r>
-              <a:endParaRPr lang="es-ES" dirty="0"/>
-            </a:p>
-          </p:txBody>
-        </p:sp>
-      </p:grpSp>
     </p:spTree>
   </p:cSld>
   <p:clrMapOvr>
@@ -6883,9 +6615,184 @@
           </a:p>
         </p:txBody>
       </p:sp>
+      <p:cxnSp>
+        <p:nvCxnSpPr>
+          <p:cNvPr id="14" name="13 Conector recto de flecha"/>
+          <p:cNvCxnSpPr/>
+          <p:nvPr/>
+        </p:nvCxnSpPr>
+        <p:spPr>
+          <a:xfrm flipH="1" flipV="1">
+            <a:off x="3275856" y="2348880"/>
+            <a:ext cx="720080" cy="432048"/>
+          </a:xfrm>
+          <a:prstGeom prst="straightConnector1">
+            <a:avLst/>
+          </a:prstGeom>
+          <a:ln>
+            <a:solidFill>
+              <a:schemeClr val="tx1"/>
+            </a:solidFill>
+            <a:tailEnd type="arrow"/>
+          </a:ln>
+        </p:spPr>
+        <p:style>
+          <a:lnRef idx="1">
+            <a:schemeClr val="accent1"/>
+          </a:lnRef>
+          <a:fillRef idx="0">
+            <a:schemeClr val="accent1"/>
+          </a:fillRef>
+          <a:effectRef idx="0">
+            <a:schemeClr val="accent1"/>
+          </a:effectRef>
+          <a:fontRef idx="minor">
+            <a:schemeClr val="tx1"/>
+          </a:fontRef>
+        </p:style>
+      </p:cxnSp>
+      <p:cxnSp>
+        <p:nvCxnSpPr>
+          <p:cNvPr id="16" name="15 Conector recto de flecha"/>
+          <p:cNvCxnSpPr/>
+          <p:nvPr/>
+        </p:nvCxnSpPr>
+        <p:spPr>
+          <a:xfrm flipV="1">
+            <a:off x="5148064" y="2348880"/>
+            <a:ext cx="720080" cy="360040"/>
+          </a:xfrm>
+          <a:prstGeom prst="straightConnector1">
+            <a:avLst/>
+          </a:prstGeom>
+          <a:ln>
+            <a:solidFill>
+              <a:schemeClr val="tx1"/>
+            </a:solidFill>
+            <a:tailEnd type="arrow"/>
+          </a:ln>
+        </p:spPr>
+        <p:style>
+          <a:lnRef idx="1">
+            <a:schemeClr val="accent1"/>
+          </a:lnRef>
+          <a:fillRef idx="0">
+            <a:schemeClr val="accent1"/>
+          </a:fillRef>
+          <a:effectRef idx="0">
+            <a:schemeClr val="accent1"/>
+          </a:effectRef>
+          <a:fontRef idx="minor">
+            <a:schemeClr val="tx1"/>
+          </a:fontRef>
+        </p:style>
+      </p:cxnSp>
+      <p:cxnSp>
+        <p:nvCxnSpPr>
+          <p:cNvPr id="18" name="17 Conector recto de flecha"/>
+          <p:cNvCxnSpPr/>
+          <p:nvPr/>
+        </p:nvCxnSpPr>
+        <p:spPr>
+          <a:xfrm>
+            <a:off x="5148064" y="3645024"/>
+            <a:ext cx="1008112" cy="864096"/>
+          </a:xfrm>
+          <a:prstGeom prst="straightConnector1">
+            <a:avLst/>
+          </a:prstGeom>
+          <a:ln>
+            <a:solidFill>
+              <a:schemeClr val="tx1"/>
+            </a:solidFill>
+            <a:tailEnd type="arrow"/>
+          </a:ln>
+        </p:spPr>
+        <p:style>
+          <a:lnRef idx="1">
+            <a:schemeClr val="accent1"/>
+          </a:lnRef>
+          <a:fillRef idx="0">
+            <a:schemeClr val="accent1"/>
+          </a:fillRef>
+          <a:effectRef idx="0">
+            <a:schemeClr val="accent1"/>
+          </a:effectRef>
+          <a:fontRef idx="minor">
+            <a:schemeClr val="tx1"/>
+          </a:fontRef>
+        </p:style>
+      </p:cxnSp>
+      <p:cxnSp>
+        <p:nvCxnSpPr>
+          <p:cNvPr id="20" name="19 Conector recto de flecha"/>
+          <p:cNvCxnSpPr/>
+          <p:nvPr/>
+        </p:nvCxnSpPr>
+        <p:spPr>
+          <a:xfrm flipH="1">
+            <a:off x="3131840" y="3573016"/>
+            <a:ext cx="864096" cy="720080"/>
+          </a:xfrm>
+          <a:prstGeom prst="straightConnector1">
+            <a:avLst/>
+          </a:prstGeom>
+          <a:ln>
+            <a:solidFill>
+              <a:schemeClr val="tx1"/>
+            </a:solidFill>
+            <a:tailEnd type="arrow"/>
+          </a:ln>
+        </p:spPr>
+        <p:style>
+          <a:lnRef idx="1">
+            <a:schemeClr val="accent1"/>
+          </a:lnRef>
+          <a:fillRef idx="0">
+            <a:schemeClr val="accent1"/>
+          </a:fillRef>
+          <a:effectRef idx="0">
+            <a:schemeClr val="accent1"/>
+          </a:effectRef>
+          <a:fontRef idx="minor">
+            <a:schemeClr val="tx1"/>
+          </a:fontRef>
+        </p:style>
+      </p:cxnSp>
+      <p:sp>
+        <p:nvSpPr>
+          <p:cNvPr id="27" name="26 CuadroTexto"/>
+          <p:cNvSpPr txBox="1"/>
+          <p:nvPr/>
+        </p:nvSpPr>
+        <p:spPr>
+          <a:xfrm>
+            <a:off x="4004256" y="4149080"/>
+            <a:ext cx="1296144" cy="369332"/>
+          </a:xfrm>
+          <a:prstGeom prst="rect">
+            <a:avLst/>
+          </a:prstGeom>
+          <a:noFill/>
+        </p:spPr>
+        <p:txBody>
+          <a:bodyPr wrap="square" rtlCol="0">
+            <a:spAutoFit/>
+          </a:bodyPr>
+          <a:lstStyle/>
+          <a:p>
+            <a:pPr algn="ctr"/>
+            <a:r>
+              <a:rPr lang="es-ES" dirty="0" smtClean="0"/>
+              <a:t>Camarero</a:t>
+            </a:r>
+            <a:endParaRPr lang="es-ES" dirty="0"/>
+          </a:p>
+        </p:txBody>
+      </p:sp>
       <p:pic>
         <p:nvPicPr>
-          <p:cNvPr id="1027" name="Picture 3"/>
+          <p:cNvPr id="15" name="Picture 2" descr="C:\hlocal\is\TerceraEntrega20-3-13\ModeloCasosDeUso\monigote.png"/>
           <p:cNvPicPr>
             <a:picLocks noChangeAspect="1" noChangeArrowheads="1"/>
           </p:cNvPicPr>
@@ -6899,244 +6806,16 @@
           </a:stretch>
         </p:blipFill>
         <p:spPr bwMode="auto">
-          <a:xfrm rot="950581">
-            <a:off x="3817731" y="2673476"/>
-            <a:ext cx="1538037" cy="1546123"/>
+          <a:xfrm>
+            <a:off x="4067944" y="2494175"/>
+            <a:ext cx="1152128" cy="1717966"/>
           </a:xfrm>
           <a:prstGeom prst="rect">
             <a:avLst/>
           </a:prstGeom>
           <a:noFill/>
-          <a:ln w="9525">
-            <a:noFill/>
-            <a:miter lim="800000"/>
-            <a:headEnd/>
-            <a:tailEnd/>
-          </a:ln>
         </p:spPr>
       </p:pic>
-      <p:cxnSp>
-        <p:nvCxnSpPr>
-          <p:cNvPr id="14" name="13 Conector recto de flecha"/>
-          <p:cNvCxnSpPr/>
-          <p:nvPr/>
-        </p:nvCxnSpPr>
-        <p:spPr>
-          <a:xfrm flipH="1" flipV="1">
-            <a:off x="3275856" y="2348880"/>
-            <a:ext cx="720080" cy="432048"/>
-          </a:xfrm>
-          <a:prstGeom prst="straightConnector1">
-            <a:avLst/>
-          </a:prstGeom>
-          <a:ln>
-            <a:solidFill>
-              <a:schemeClr val="tx1"/>
-            </a:solidFill>
-            <a:tailEnd type="arrow"/>
-          </a:ln>
-        </p:spPr>
-        <p:style>
-          <a:lnRef idx="1">
-            <a:schemeClr val="accent1"/>
-          </a:lnRef>
-          <a:fillRef idx="0">
-            <a:schemeClr val="accent1"/>
-          </a:fillRef>
-          <a:effectRef idx="0">
-            <a:schemeClr val="accent1"/>
-          </a:effectRef>
-          <a:fontRef idx="minor">
-            <a:schemeClr val="tx1"/>
-          </a:fontRef>
-        </p:style>
-      </p:cxnSp>
-      <p:cxnSp>
-        <p:nvCxnSpPr>
-          <p:cNvPr id="16" name="15 Conector recto de flecha"/>
-          <p:cNvCxnSpPr/>
-          <p:nvPr/>
-        </p:nvCxnSpPr>
-        <p:spPr>
-          <a:xfrm flipV="1">
-            <a:off x="5148064" y="2348880"/>
-            <a:ext cx="720080" cy="360040"/>
-          </a:xfrm>
-          <a:prstGeom prst="straightConnector1">
-            <a:avLst/>
-          </a:prstGeom>
-          <a:ln>
-            <a:solidFill>
-              <a:schemeClr val="tx1"/>
-            </a:solidFill>
-            <a:tailEnd type="arrow"/>
-          </a:ln>
-        </p:spPr>
-        <p:style>
-          <a:lnRef idx="1">
-            <a:schemeClr val="accent1"/>
-          </a:lnRef>
-          <a:fillRef idx="0">
-            <a:schemeClr val="accent1"/>
-          </a:fillRef>
-          <a:effectRef idx="0">
-            <a:schemeClr val="accent1"/>
-          </a:effectRef>
-          <a:fontRef idx="minor">
-            <a:schemeClr val="tx1"/>
-          </a:fontRef>
-        </p:style>
-      </p:cxnSp>
-      <p:cxnSp>
-        <p:nvCxnSpPr>
-          <p:cNvPr id="18" name="17 Conector recto de flecha"/>
-          <p:cNvCxnSpPr/>
-          <p:nvPr/>
-        </p:nvCxnSpPr>
-        <p:spPr>
-          <a:xfrm>
-            <a:off x="5148064" y="3645024"/>
-            <a:ext cx="1008112" cy="864096"/>
-          </a:xfrm>
-          <a:prstGeom prst="straightConnector1">
-            <a:avLst/>
-          </a:prstGeom>
-          <a:ln>
-            <a:solidFill>
-              <a:schemeClr val="tx1"/>
-            </a:solidFill>
-            <a:tailEnd type="arrow"/>
-          </a:ln>
-        </p:spPr>
-        <p:style>
-          <a:lnRef idx="1">
-            <a:schemeClr val="accent1"/>
-          </a:lnRef>
-          <a:fillRef idx="0">
-            <a:schemeClr val="accent1"/>
-          </a:fillRef>
-          <a:effectRef idx="0">
-            <a:schemeClr val="accent1"/>
-          </a:effectRef>
-          <a:fontRef idx="minor">
-            <a:schemeClr val="tx1"/>
-          </a:fontRef>
-        </p:style>
-      </p:cxnSp>
-      <p:cxnSp>
-        <p:nvCxnSpPr>
-          <p:cNvPr id="20" name="19 Conector recto de flecha"/>
-          <p:cNvCxnSpPr/>
-          <p:nvPr/>
-        </p:nvCxnSpPr>
-        <p:spPr>
-          <a:xfrm flipH="1">
-            <a:off x="3131840" y="3573016"/>
-            <a:ext cx="864096" cy="720080"/>
-          </a:xfrm>
-          <a:prstGeom prst="straightConnector1">
-            <a:avLst/>
-          </a:prstGeom>
-          <a:ln>
-            <a:solidFill>
-              <a:schemeClr val="tx1"/>
-            </a:solidFill>
-            <a:tailEnd type="arrow"/>
-          </a:ln>
-        </p:spPr>
-        <p:style>
-          <a:lnRef idx="1">
-            <a:schemeClr val="accent1"/>
-          </a:lnRef>
-          <a:fillRef idx="0">
-            <a:schemeClr val="accent1"/>
-          </a:fillRef>
-          <a:effectRef idx="0">
-            <a:schemeClr val="accent1"/>
-          </a:effectRef>
-          <a:fontRef idx="minor">
-            <a:schemeClr val="tx1"/>
-          </a:fontRef>
-        </p:style>
-      </p:cxnSp>
-      <p:grpSp>
-        <p:nvGrpSpPr>
-          <p:cNvPr id="25" name="24 Grupo"/>
-          <p:cNvGrpSpPr/>
-          <p:nvPr/>
-        </p:nvGrpSpPr>
-        <p:grpSpPr>
-          <a:xfrm>
-            <a:off x="3826051" y="2673476"/>
-            <a:ext cx="1538037" cy="1844936"/>
-            <a:chOff x="3745723" y="2673476"/>
-            <a:chExt cx="1538037" cy="1844936"/>
-          </a:xfrm>
-        </p:grpSpPr>
-        <p:pic>
-          <p:nvPicPr>
-            <p:cNvPr id="26" name="Picture 3"/>
-            <p:cNvPicPr>
-              <a:picLocks noChangeAspect="1" noChangeArrowheads="1"/>
-            </p:cNvPicPr>
-            <p:nvPr/>
-          </p:nvPicPr>
-          <p:blipFill>
-            <a:blip r:embed="rId2" cstate="print"/>
-            <a:srcRect/>
-            <a:stretch>
-              <a:fillRect/>
-            </a:stretch>
-          </p:blipFill>
-          <p:spPr bwMode="auto">
-            <a:xfrm rot="950581">
-              <a:off x="3745723" y="2673476"/>
-              <a:ext cx="1538037" cy="1546123"/>
-            </a:xfrm>
-            <a:prstGeom prst="rect">
-              <a:avLst/>
-            </a:prstGeom>
-            <a:noFill/>
-            <a:ln w="9525">
-              <a:noFill/>
-              <a:miter lim="800000"/>
-              <a:headEnd/>
-              <a:tailEnd/>
-            </a:ln>
-          </p:spPr>
-        </p:pic>
-        <p:sp>
-          <p:nvSpPr>
-            <p:cNvPr id="27" name="26 CuadroTexto"/>
-            <p:cNvSpPr txBox="1"/>
-            <p:nvPr/>
-          </p:nvSpPr>
-          <p:spPr>
-            <a:xfrm>
-              <a:off x="3923928" y="4149080"/>
-              <a:ext cx="1296144" cy="369332"/>
-            </a:xfrm>
-            <a:prstGeom prst="rect">
-              <a:avLst/>
-            </a:prstGeom>
-            <a:noFill/>
-          </p:spPr>
-          <p:txBody>
-            <a:bodyPr wrap="square" rtlCol="0">
-              <a:spAutoFit/>
-            </a:bodyPr>
-            <a:lstStyle/>
-            <a:p>
-              <a:pPr algn="ctr"/>
-              <a:r>
-                <a:rPr lang="es-ES" dirty="0" smtClean="0"/>
-                <a:t>Camarero</a:t>
-              </a:r>
-              <a:endParaRPr lang="es-ES" dirty="0"/>
-            </a:p>
-          </p:txBody>
-        </p:sp>
-      </p:grpSp>
     </p:spTree>
   </p:cSld>
   <p:clrMapOvr>

--- a/trunk/TerceraEntrega20-3-13/ModeloCasosDeUso/is.pptx
+++ b/trunk/TerceraEntrega20-3-13/ModeloCasosDeUso/is.pptx
@@ -3434,7 +3434,7 @@
         </p:blipFill>
         <p:spPr bwMode="auto">
           <a:xfrm>
-            <a:off x="3923928" y="2503122"/>
+            <a:off x="3995936" y="2420888"/>
             <a:ext cx="1152128" cy="1717966"/>
           </a:xfrm>
           <a:prstGeom prst="rect">
@@ -3470,13 +3470,13 @@
       </p:grpSpPr>
       <p:sp>
         <p:nvSpPr>
-          <p:cNvPr id="4" name="3 Elipse"/>
+          <p:cNvPr id="5" name="4 Elipse"/>
           <p:cNvSpPr/>
           <p:nvPr/>
         </p:nvSpPr>
         <p:spPr>
           <a:xfrm>
-            <a:off x="755576" y="836712"/>
+            <a:off x="5148064" y="836712"/>
             <a:ext cx="3384376" cy="1008112"/>
           </a:xfrm>
           <a:prstGeom prst="ellipse">
@@ -3506,7 +3506,7 @@
             <a:pPr algn="ctr"/>
             <a:r>
               <a:rPr lang="es-ES" dirty="0" smtClean="0"/>
-              <a:t>Realizar recuento existencias</a:t>
+              <a:t>Ver cuenta diaria de la caja de recepción</a:t>
             </a:r>
             <a:endParaRPr lang="es-ES" dirty="0"/>
           </a:p>
@@ -3514,13 +3514,13 @@
       </p:sp>
       <p:sp>
         <p:nvSpPr>
-          <p:cNvPr id="5" name="4 Elipse"/>
+          <p:cNvPr id="6" name="5 Elipse"/>
           <p:cNvSpPr/>
           <p:nvPr/>
         </p:nvSpPr>
         <p:spPr>
           <a:xfrm>
-            <a:off x="5004048" y="836712"/>
+            <a:off x="971600" y="980728"/>
             <a:ext cx="3384376" cy="1008112"/>
           </a:xfrm>
           <a:prstGeom prst="ellipse">
@@ -3550,7 +3550,7 @@
             <a:pPr algn="ctr"/>
             <a:r>
               <a:rPr lang="es-ES" dirty="0" smtClean="0"/>
-              <a:t>Ver cuenta diaria de la caja de recepción</a:t>
+              <a:t>Ver cuenta diaria de la caja del restaurante</a:t>
             </a:r>
             <a:endParaRPr lang="es-ES" dirty="0"/>
           </a:p>
@@ -3558,13 +3558,13 @@
       </p:sp>
       <p:sp>
         <p:nvSpPr>
-          <p:cNvPr id="6" name="5 Elipse"/>
+          <p:cNvPr id="7" name="6 Elipse"/>
           <p:cNvSpPr/>
           <p:nvPr/>
         </p:nvSpPr>
         <p:spPr>
           <a:xfrm>
-            <a:off x="611560" y="3501008"/>
+            <a:off x="5292080" y="4437112"/>
             <a:ext cx="3384376" cy="1008112"/>
           </a:xfrm>
           <a:prstGeom prst="ellipse">
@@ -3594,7 +3594,7 @@
             <a:pPr algn="ctr"/>
             <a:r>
               <a:rPr lang="es-ES" dirty="0" smtClean="0"/>
-              <a:t>Ver cuenta diaria de la caja del restaurante</a:t>
+              <a:t>Consultar libro mayor</a:t>
             </a:r>
             <a:endParaRPr lang="es-ES" dirty="0"/>
           </a:p>
@@ -3602,13 +3602,13 @@
       </p:sp>
       <p:sp>
         <p:nvSpPr>
-          <p:cNvPr id="7" name="6 Elipse"/>
+          <p:cNvPr id="8" name="7 Elipse"/>
           <p:cNvSpPr/>
           <p:nvPr/>
         </p:nvSpPr>
         <p:spPr>
           <a:xfrm>
-            <a:off x="5508104" y="3068960"/>
+            <a:off x="467544" y="4149080"/>
             <a:ext cx="3384376" cy="1008112"/>
           </a:xfrm>
           <a:prstGeom prst="ellipse">
@@ -3638,50 +3638,6 @@
             <a:pPr algn="ctr"/>
             <a:r>
               <a:rPr lang="es-ES" dirty="0" smtClean="0"/>
-              <a:t>Consultar libro mayor</a:t>
-            </a:r>
-            <a:endParaRPr lang="es-ES" dirty="0"/>
-          </a:p>
-        </p:txBody>
-      </p:sp>
-      <p:sp>
-        <p:nvSpPr>
-          <p:cNvPr id="8" name="7 Elipse"/>
-          <p:cNvSpPr/>
-          <p:nvPr/>
-        </p:nvSpPr>
-        <p:spPr>
-          <a:xfrm>
-            <a:off x="3491880" y="5013176"/>
-            <a:ext cx="3384376" cy="1008112"/>
-          </a:xfrm>
-          <a:prstGeom prst="ellipse">
-            <a:avLst/>
-          </a:prstGeom>
-        </p:spPr>
-        <p:style>
-          <a:lnRef idx="2">
-            <a:schemeClr val="accent1">
-              <a:shade val="50000"/>
-            </a:schemeClr>
-          </a:lnRef>
-          <a:fillRef idx="1">
-            <a:schemeClr val="accent1"/>
-          </a:fillRef>
-          <a:effectRef idx="0">
-            <a:schemeClr val="accent1"/>
-          </a:effectRef>
-          <a:fontRef idx="minor">
-            <a:schemeClr val="lt1"/>
-          </a:fontRef>
-        </p:style>
-        <p:txBody>
-          <a:bodyPr rtlCol="0" anchor="ctr"/>
-          <a:lstStyle/>
-          <a:p>
-            <a:pPr algn="ctr"/>
-            <a:r>
-              <a:rPr lang="es-ES" dirty="0" smtClean="0"/>
               <a:t>Consultar libro diario</a:t>
             </a:r>
             <a:endParaRPr lang="es-ES" dirty="0"/>
@@ -3690,14 +3646,14 @@
       </p:sp>
       <p:cxnSp>
         <p:nvCxnSpPr>
-          <p:cNvPr id="10" name="9 Conector recto de flecha"/>
+          <p:cNvPr id="11" name="10 Conector recto de flecha"/>
           <p:cNvCxnSpPr/>
           <p:nvPr/>
         </p:nvCxnSpPr>
         <p:spPr>
-          <a:xfrm flipH="1" flipV="1">
-            <a:off x="3131840" y="1988840"/>
-            <a:ext cx="720080" cy="432048"/>
+          <a:xfrm flipV="1">
+            <a:off x="4860032" y="1988840"/>
+            <a:ext cx="864096" cy="648072"/>
           </a:xfrm>
           <a:prstGeom prst="straightConnector1">
             <a:avLst/>
@@ -3726,14 +3682,14 @@
       </p:cxnSp>
       <p:cxnSp>
         <p:nvCxnSpPr>
-          <p:cNvPr id="11" name="10 Conector recto de flecha"/>
+          <p:cNvPr id="12" name="11 Conector recto de flecha"/>
           <p:cNvCxnSpPr/>
           <p:nvPr/>
         </p:nvCxnSpPr>
         <p:spPr>
-          <a:xfrm flipV="1">
-            <a:off x="5004048" y="1988840"/>
-            <a:ext cx="720080" cy="360040"/>
+          <a:xfrm flipH="1" flipV="1">
+            <a:off x="3779912" y="2060848"/>
+            <a:ext cx="648072" cy="648072"/>
           </a:xfrm>
           <a:prstGeom prst="straightConnector1">
             <a:avLst/>
@@ -3762,14 +3718,14 @@
       </p:cxnSp>
       <p:cxnSp>
         <p:nvCxnSpPr>
-          <p:cNvPr id="12" name="11 Conector recto de flecha"/>
+          <p:cNvPr id="13" name="12 Conector recto de flecha"/>
           <p:cNvCxnSpPr/>
           <p:nvPr/>
         </p:nvCxnSpPr>
         <p:spPr>
-          <a:xfrm>
-            <a:off x="5076056" y="2996952"/>
-            <a:ext cx="576064" cy="216024"/>
+          <a:xfrm flipH="1">
+            <a:off x="3419872" y="3212976"/>
+            <a:ext cx="1008112" cy="504056"/>
           </a:xfrm>
           <a:prstGeom prst="straightConnector1">
             <a:avLst/>
@@ -3798,14 +3754,14 @@
       </p:cxnSp>
       <p:cxnSp>
         <p:nvCxnSpPr>
-          <p:cNvPr id="13" name="12 Conector recto de flecha"/>
+          <p:cNvPr id="22" name="21 Conector recto de flecha"/>
           <p:cNvCxnSpPr/>
           <p:nvPr/>
         </p:nvCxnSpPr>
         <p:spPr>
-          <a:xfrm flipH="1">
-            <a:off x="3275856" y="3140968"/>
-            <a:ext cx="792088" cy="360040"/>
+          <a:xfrm>
+            <a:off x="5436096" y="3501008"/>
+            <a:ext cx="648072" cy="720080"/>
           </a:xfrm>
           <a:prstGeom prst="straightConnector1">
             <a:avLst/>
@@ -3832,42 +3788,6 @@
           </a:fontRef>
         </p:style>
       </p:cxnSp>
-      <p:cxnSp>
-        <p:nvCxnSpPr>
-          <p:cNvPr id="22" name="21 Conector recto de flecha"/>
-          <p:cNvCxnSpPr/>
-          <p:nvPr/>
-        </p:nvCxnSpPr>
-        <p:spPr>
-          <a:xfrm>
-            <a:off x="4788024" y="4149080"/>
-            <a:ext cx="216024" cy="720080"/>
-          </a:xfrm>
-          <a:prstGeom prst="straightConnector1">
-            <a:avLst/>
-          </a:prstGeom>
-          <a:ln>
-            <a:solidFill>
-              <a:schemeClr val="tx1"/>
-            </a:solidFill>
-            <a:tailEnd type="arrow"/>
-          </a:ln>
-        </p:spPr>
-        <p:style>
-          <a:lnRef idx="1">
-            <a:schemeClr val="accent1"/>
-          </a:lnRef>
-          <a:fillRef idx="0">
-            <a:schemeClr val="accent1"/>
-          </a:fillRef>
-          <a:effectRef idx="0">
-            <a:schemeClr val="accent1"/>
-          </a:effectRef>
-          <a:fontRef idx="minor">
-            <a:schemeClr val="tx1"/>
-          </a:fontRef>
-        </p:style>
-      </p:cxnSp>
       <p:sp>
         <p:nvSpPr>
           <p:cNvPr id="25" name="24 CuadroTexto"/>
@@ -3876,7 +3796,7 @@
         </p:nvSpPr>
         <p:spPr>
           <a:xfrm>
-            <a:off x="3860240" y="3779748"/>
+            <a:off x="3851920" y="4077072"/>
             <a:ext cx="1296144" cy="369332"/>
           </a:xfrm>
           <a:prstGeom prst="rect">
@@ -3916,7 +3836,7 @@
         </p:blipFill>
         <p:spPr bwMode="auto">
           <a:xfrm>
-            <a:off x="3995936" y="2060848"/>
+            <a:off x="3995936" y="2420888"/>
             <a:ext cx="1152128" cy="1717966"/>
           </a:xfrm>
           <a:prstGeom prst="rect">
@@ -6447,7 +6367,7 @@
         </p:nvSpPr>
         <p:spPr>
           <a:xfrm>
-            <a:off x="467544" y="1340768"/>
+            <a:off x="323528" y="1844824"/>
             <a:ext cx="3384376" cy="1008112"/>
           </a:xfrm>
           <a:prstGeom prst="ellipse">
@@ -6623,8 +6543,8 @@
         </p:nvCxnSpPr>
         <p:spPr>
           <a:xfrm flipH="1" flipV="1">
-            <a:off x="3275856" y="2348880"/>
-            <a:ext cx="720080" cy="432048"/>
+            <a:off x="3635896" y="2708920"/>
+            <a:ext cx="504056" cy="360040"/>
           </a:xfrm>
           <a:prstGeom prst="straightConnector1">
             <a:avLst/>
@@ -6660,7 +6580,7 @@
         <p:spPr>
           <a:xfrm flipV="1">
             <a:off x="5148064" y="2348880"/>
-            <a:ext cx="720080" cy="360040"/>
+            <a:ext cx="720080" cy="504056"/>
           </a:xfrm>
           <a:prstGeom prst="straightConnector1">
             <a:avLst/>
@@ -6696,7 +6616,7 @@
         <p:spPr>
           <a:xfrm>
             <a:off x="5148064" y="3645024"/>
-            <a:ext cx="1008112" cy="864096"/>
+            <a:ext cx="792088" cy="720080"/>
           </a:xfrm>
           <a:prstGeom prst="straightConnector1">
             <a:avLst/>
@@ -6816,6 +6736,86 @@
           <a:noFill/>
         </p:spPr>
       </p:pic>
+      <p:sp>
+        <p:nvSpPr>
+          <p:cNvPr id="17" name="16 Elipse"/>
+          <p:cNvSpPr/>
+          <p:nvPr/>
+        </p:nvSpPr>
+        <p:spPr>
+          <a:xfrm>
+            <a:off x="2771800" y="476672"/>
+            <a:ext cx="3384376" cy="1008112"/>
+          </a:xfrm>
+          <a:prstGeom prst="ellipse">
+            <a:avLst/>
+          </a:prstGeom>
+        </p:spPr>
+        <p:style>
+          <a:lnRef idx="2">
+            <a:schemeClr val="accent1">
+              <a:shade val="50000"/>
+            </a:schemeClr>
+          </a:lnRef>
+          <a:fillRef idx="1">
+            <a:schemeClr val="accent1"/>
+          </a:fillRef>
+          <a:effectRef idx="0">
+            <a:schemeClr val="accent1"/>
+          </a:effectRef>
+          <a:fontRef idx="minor">
+            <a:schemeClr val="lt1"/>
+          </a:fontRef>
+        </p:style>
+        <p:txBody>
+          <a:bodyPr rtlCol="0" anchor="ctr"/>
+          <a:lstStyle/>
+          <a:p>
+            <a:pPr algn="ctr"/>
+            <a:r>
+              <a:rPr lang="es-ES" dirty="0" smtClean="0"/>
+              <a:t>Realizar recuento existencias</a:t>
+            </a:r>
+            <a:endParaRPr lang="es-ES" dirty="0"/>
+          </a:p>
+        </p:txBody>
+      </p:sp>
+      <p:cxnSp>
+        <p:nvCxnSpPr>
+          <p:cNvPr id="19" name="18 Conector recto de flecha"/>
+          <p:cNvCxnSpPr/>
+          <p:nvPr/>
+        </p:nvCxnSpPr>
+        <p:spPr>
+          <a:xfrm flipH="1" flipV="1">
+            <a:off x="4499992" y="1628800"/>
+            <a:ext cx="144016" cy="648072"/>
+          </a:xfrm>
+          <a:prstGeom prst="straightConnector1">
+            <a:avLst/>
+          </a:prstGeom>
+          <a:ln>
+            <a:solidFill>
+              <a:schemeClr val="tx1"/>
+            </a:solidFill>
+            <a:tailEnd type="arrow"/>
+          </a:ln>
+        </p:spPr>
+        <p:style>
+          <a:lnRef idx="1">
+            <a:schemeClr val="accent1"/>
+          </a:lnRef>
+          <a:fillRef idx="0">
+            <a:schemeClr val="accent1"/>
+          </a:fillRef>
+          <a:effectRef idx="0">
+            <a:schemeClr val="accent1"/>
+          </a:effectRef>
+          <a:fontRef idx="minor">
+            <a:schemeClr val="tx1"/>
+          </a:fontRef>
+        </p:style>
+      </p:cxnSp>
     </p:spTree>
   </p:cSld>
   <p:clrMapOvr>
